--- a/SMART on FHIR Primer.pptx
+++ b/SMART on FHIR Primer.pptx
@@ -137,6 +137,11 @@
       </a:defRPr>
     </a:lvl9pPr>
   </p:defaultTextStyle>
+  <p:extLst>
+    <p:ext uri="{EFAFB233-063F-42B5-8137-9DF3F51BA10A}">
+      <p15:sldGuideLst xmlns:p15="http://schemas.microsoft.com/office/powerpoint/2012/main"/>
+    </p:ext>
+  </p:extLst>
 </p:presentation>
 </file>
 
@@ -237,7 +242,7 @@
           <a:p>
             <a:fld id="{4031681A-4B84-4DE8-A5EF-A885124D351C}" type="datetimeFigureOut">
               <a:rPr lang="en-US" smtClean="0"/>
-              <a:t>3/12/2017</a:t>
+              <a:t>5/3/2019</a:t>
             </a:fld>
             <a:endParaRPr lang="en-US"/>
           </a:p>
@@ -332,7 +337,6 @@
               <a:rPr lang="en-US"/>
               <a:t>Fifth level</a:t>
             </a:r>
-            <a:endParaRPr lang="en-US"/>
           </a:p>
         </p:txBody>
       </p:sp>
@@ -748,7 +752,6 @@
               <a:rPr lang="en-US"/>
               <a:t>Click to edit Master title style</a:t>
             </a:r>
-            <a:endParaRPr lang="en-US"/>
           </a:p>
         </p:txBody>
       </p:sp>
@@ -813,7 +816,6 @@
               <a:rPr lang="en-US"/>
               <a:t>Click to edit Master subtitle style</a:t>
             </a:r>
-            <a:endParaRPr lang="en-US"/>
           </a:p>
         </p:txBody>
       </p:sp>
@@ -834,7 +836,7 @@
           <a:p>
             <a:fld id="{DEA2229F-D951-4A8F-BA2A-3B6A0B3F46E2}" type="datetimeFigureOut">
               <a:rPr lang="en-US" smtClean="0"/>
-              <a:t>3/12/2017</a:t>
+              <a:t>5/3/2019</a:t>
             </a:fld>
             <a:endParaRPr lang="en-US"/>
           </a:p>
@@ -931,7 +933,6 @@
               <a:rPr lang="en-US"/>
               <a:t>Click to edit Master title style</a:t>
             </a:r>
-            <a:endParaRPr lang="en-US"/>
           </a:p>
         </p:txBody>
       </p:sp>
@@ -983,7 +984,6 @@
               <a:rPr lang="en-US"/>
               <a:t>Fifth level</a:t>
             </a:r>
-            <a:endParaRPr lang="en-US"/>
           </a:p>
         </p:txBody>
       </p:sp>
@@ -1004,7 +1004,7 @@
           <a:p>
             <a:fld id="{DEA2229F-D951-4A8F-BA2A-3B6A0B3F46E2}" type="datetimeFigureOut">
               <a:rPr lang="en-US" smtClean="0"/>
-              <a:t>3/12/2017</a:t>
+              <a:t>5/3/2019</a:t>
             </a:fld>
             <a:endParaRPr lang="en-US"/>
           </a:p>
@@ -1106,7 +1106,6 @@
               <a:rPr lang="en-US"/>
               <a:t>Click to edit Master title style</a:t>
             </a:r>
-            <a:endParaRPr lang="en-US"/>
           </a:p>
         </p:txBody>
       </p:sp>
@@ -1163,7 +1162,6 @@
               <a:rPr lang="en-US"/>
               <a:t>Fifth level</a:t>
             </a:r>
-            <a:endParaRPr lang="en-US"/>
           </a:p>
         </p:txBody>
       </p:sp>
@@ -1184,7 +1182,7 @@
           <a:p>
             <a:fld id="{DEA2229F-D951-4A8F-BA2A-3B6A0B3F46E2}" type="datetimeFigureOut">
               <a:rPr lang="en-US" smtClean="0"/>
-              <a:t>3/12/2017</a:t>
+              <a:t>5/3/2019</a:t>
             </a:fld>
             <a:endParaRPr lang="en-US"/>
           </a:p>
@@ -1569,7 +1567,6 @@
               <a:rPr lang="en-US"/>
               <a:t>Click to edit Master title style</a:t>
             </a:r>
-            <a:endParaRPr lang="en-US"/>
           </a:p>
         </p:txBody>
       </p:sp>
@@ -1621,7 +1618,6 @@
               <a:rPr lang="en-US"/>
               <a:t>Fifth level</a:t>
             </a:r>
-            <a:endParaRPr lang="en-US"/>
           </a:p>
         </p:txBody>
       </p:sp>
@@ -1642,7 +1638,7 @@
           <a:p>
             <a:fld id="{DEA2229F-D951-4A8F-BA2A-3B6A0B3F46E2}" type="datetimeFigureOut">
               <a:rPr lang="en-US" smtClean="0"/>
-              <a:t>3/12/2017</a:t>
+              <a:t>5/3/2019</a:t>
             </a:fld>
             <a:endParaRPr lang="en-US"/>
           </a:p>
@@ -1748,7 +1744,6 @@
               <a:rPr lang="en-US"/>
               <a:t>Click to edit Master title style</a:t>
             </a:r>
-            <a:endParaRPr lang="en-US"/>
           </a:p>
         </p:txBody>
       </p:sp>
@@ -1888,7 +1883,7 @@
           <a:p>
             <a:fld id="{DEA2229F-D951-4A8F-BA2A-3B6A0B3F46E2}" type="datetimeFigureOut">
               <a:rPr lang="en-US" smtClean="0"/>
-              <a:t>3/12/2017</a:t>
+              <a:t>5/3/2019</a:t>
             </a:fld>
             <a:endParaRPr lang="en-US"/>
           </a:p>
@@ -1985,7 +1980,6 @@
               <a:rPr lang="en-US"/>
               <a:t>Click to edit Master title style</a:t>
             </a:r>
-            <a:endParaRPr lang="en-US"/>
           </a:p>
         </p:txBody>
       </p:sp>
@@ -2042,7 +2036,6 @@
               <a:rPr lang="en-US"/>
               <a:t>Fifth level</a:t>
             </a:r>
-            <a:endParaRPr lang="en-US"/>
           </a:p>
         </p:txBody>
       </p:sp>
@@ -2099,7 +2092,6 @@
               <a:rPr lang="en-US"/>
               <a:t>Fifth level</a:t>
             </a:r>
-            <a:endParaRPr lang="en-US"/>
           </a:p>
         </p:txBody>
       </p:sp>
@@ -2120,7 +2112,7 @@
           <a:p>
             <a:fld id="{DEA2229F-D951-4A8F-BA2A-3B6A0B3F46E2}" type="datetimeFigureOut">
               <a:rPr lang="en-US" smtClean="0"/>
-              <a:t>3/12/2017</a:t>
+              <a:t>5/3/2019</a:t>
             </a:fld>
             <a:endParaRPr lang="en-US"/>
           </a:p>
@@ -2222,7 +2214,6 @@
               <a:rPr lang="en-US"/>
               <a:t>Click to edit Master title style</a:t>
             </a:r>
-            <a:endParaRPr lang="en-US"/>
           </a:p>
         </p:txBody>
       </p:sp>
@@ -2344,7 +2335,6 @@
               <a:rPr lang="en-US"/>
               <a:t>Fifth level</a:t>
             </a:r>
-            <a:endParaRPr lang="en-US"/>
           </a:p>
         </p:txBody>
       </p:sp>
@@ -2466,7 +2456,6 @@
               <a:rPr lang="en-US"/>
               <a:t>Fifth level</a:t>
             </a:r>
-            <a:endParaRPr lang="en-US"/>
           </a:p>
         </p:txBody>
       </p:sp>
@@ -2487,7 +2476,7 @@
           <a:p>
             <a:fld id="{DEA2229F-D951-4A8F-BA2A-3B6A0B3F46E2}" type="datetimeFigureOut">
               <a:rPr lang="en-US" smtClean="0"/>
-              <a:t>3/12/2017</a:t>
+              <a:t>5/3/2019</a:t>
             </a:fld>
             <a:endParaRPr lang="en-US"/>
           </a:p>
@@ -2584,7 +2573,6 @@
               <a:rPr lang="en-US"/>
               <a:t>Click to edit Master title style</a:t>
             </a:r>
-            <a:endParaRPr lang="en-US"/>
           </a:p>
         </p:txBody>
       </p:sp>
@@ -2605,7 +2593,7 @@
           <a:p>
             <a:fld id="{DEA2229F-D951-4A8F-BA2A-3B6A0B3F46E2}" type="datetimeFigureOut">
               <a:rPr lang="en-US" smtClean="0"/>
-              <a:t>3/12/2017</a:t>
+              <a:t>5/3/2019</a:t>
             </a:fld>
             <a:endParaRPr lang="en-US"/>
           </a:p>
@@ -2700,7 +2688,7 @@
           <a:p>
             <a:fld id="{DEA2229F-D951-4A8F-BA2A-3B6A0B3F46E2}" type="datetimeFigureOut">
               <a:rPr lang="en-US" smtClean="0"/>
-              <a:t>3/12/2017</a:t>
+              <a:t>5/3/2019</a:t>
             </a:fld>
             <a:endParaRPr lang="en-US"/>
           </a:p>
@@ -2806,7 +2794,6 @@
               <a:rPr lang="en-US"/>
               <a:t>Click to edit Master title style</a:t>
             </a:r>
-            <a:endParaRPr lang="en-US"/>
           </a:p>
         </p:txBody>
       </p:sp>
@@ -2891,7 +2878,6 @@
               <a:rPr lang="en-US"/>
               <a:t>Fifth level</a:t>
             </a:r>
-            <a:endParaRPr lang="en-US"/>
           </a:p>
         </p:txBody>
       </p:sp>
@@ -2977,7 +2963,7 @@
           <a:p>
             <a:fld id="{DEA2229F-D951-4A8F-BA2A-3B6A0B3F46E2}" type="datetimeFigureOut">
               <a:rPr lang="en-US" smtClean="0"/>
-              <a:t>3/12/2017</a:t>
+              <a:t>5/3/2019</a:t>
             </a:fld>
             <a:endParaRPr lang="en-US"/>
           </a:p>
@@ -3083,7 +3069,6 @@
               <a:rPr lang="en-US"/>
               <a:t>Click to edit Master title style</a:t>
             </a:r>
-            <a:endParaRPr lang="en-US"/>
           </a:p>
         </p:txBody>
       </p:sp>
@@ -3230,7 +3215,7 @@
           <a:p>
             <a:fld id="{DEA2229F-D951-4A8F-BA2A-3B6A0B3F46E2}" type="datetimeFigureOut">
               <a:rPr lang="en-US" smtClean="0"/>
-              <a:t>3/12/2017</a:t>
+              <a:t>5/3/2019</a:t>
             </a:fld>
             <a:endParaRPr lang="en-US"/>
           </a:p>
@@ -3342,7 +3327,6 @@
               <a:rPr lang="en-US"/>
               <a:t>Click to edit Master title style</a:t>
             </a:r>
-            <a:endParaRPr lang="en-US"/>
           </a:p>
         </p:txBody>
       </p:sp>
@@ -3404,7 +3388,6 @@
               <a:rPr lang="en-US"/>
               <a:t>Fifth level</a:t>
             </a:r>
-            <a:endParaRPr lang="en-US"/>
           </a:p>
         </p:txBody>
       </p:sp>
@@ -3443,7 +3426,7 @@
           <a:p>
             <a:fld id="{DEA2229F-D951-4A8F-BA2A-3B6A0B3F46E2}" type="datetimeFigureOut">
               <a:rPr lang="en-US" smtClean="0"/>
-              <a:t>3/12/2017</a:t>
+              <a:t>5/3/2019</a:t>
             </a:fld>
             <a:endParaRPr lang="en-US"/>
           </a:p>
@@ -3898,7 +3881,7 @@
           <a:p>
             <a:r>
               <a:rPr lang="en-US" dirty="0"/>
-              <a:t>Software Architect – Edge Professional Services</a:t>
+              <a:t>Associate Lead Software Engineer – Edge Professional Services</a:t>
             </a:r>
           </a:p>
         </p:txBody>
@@ -3924,8 +3907,12 @@
           <a:lstStyle/>
           <a:p>
             <a:r>
+              <a:rPr lang="en-US"/>
+              <a:t>May 6-9th</a:t>
+            </a:r>
+            <a:r>
               <a:rPr lang="en-US" dirty="0"/>
-              <a:t>March 14-15, 2017</a:t>
+              <a:t>, 2019</a:t>
             </a:r>
           </a:p>
         </p:txBody>

--- a/SMART on FHIR Primer.pptx
+++ b/SMART on FHIR Primer.pptx
@@ -3854,7 +3854,7 @@
           <a:p>
             <a:r>
               <a:rPr lang="en-US" dirty="0"/>
-              <a:t>Brian Heits</a:t>
+              <a:t>&lt;Trainer name&gt;</a:t>
             </a:r>
           </a:p>
         </p:txBody>
@@ -3881,7 +3881,7 @@
           <a:p>
             <a:r>
               <a:rPr lang="en-US" dirty="0"/>
-              <a:t>Associate Lead Software Engineer – Edge Professional Services</a:t>
+              <a:t>&lt;Trainer Role&gt; – Edge Professional Services</a:t>
             </a:r>
           </a:p>
         </p:txBody>
@@ -3907,13 +3907,14 @@
           <a:lstStyle/>
           <a:p>
             <a:r>
+              <a:rPr lang="en-US" dirty="0"/>
+              <a:t>March 6th</a:t>
+            </a:r>
+            <a:r>
               <a:rPr lang="en-US"/>
-              <a:t>May 6-9th</a:t>
-            </a:r>
-            <a:r>
-              <a:rPr lang="en-US" dirty="0"/>
               <a:t>, 2019</a:t>
             </a:r>
+            <a:endParaRPr lang="en-US" dirty="0"/>
           </a:p>
         </p:txBody>
       </p:sp>

--- a/SMART on FHIR Primer.pptx
+++ b/SMART on FHIR Primer.pptx
@@ -242,7 +242,7 @@
           <a:p>
             <a:fld id="{4031681A-4B84-4DE8-A5EF-A885124D351C}" type="datetimeFigureOut">
               <a:rPr lang="en-US" smtClean="0"/>
-              <a:t>5/3/2019</a:t>
+              <a:t>7/11/2019</a:t>
             </a:fld>
             <a:endParaRPr lang="en-US"/>
           </a:p>
@@ -836,7 +836,7 @@
           <a:p>
             <a:fld id="{DEA2229F-D951-4A8F-BA2A-3B6A0B3F46E2}" type="datetimeFigureOut">
               <a:rPr lang="en-US" smtClean="0"/>
-              <a:t>5/3/2019</a:t>
+              <a:t>7/11/2019</a:t>
             </a:fld>
             <a:endParaRPr lang="en-US"/>
           </a:p>
@@ -1004,7 +1004,7 @@
           <a:p>
             <a:fld id="{DEA2229F-D951-4A8F-BA2A-3B6A0B3F46E2}" type="datetimeFigureOut">
               <a:rPr lang="en-US" smtClean="0"/>
-              <a:t>5/3/2019</a:t>
+              <a:t>7/11/2019</a:t>
             </a:fld>
             <a:endParaRPr lang="en-US"/>
           </a:p>
@@ -1182,7 +1182,7 @@
           <a:p>
             <a:fld id="{DEA2229F-D951-4A8F-BA2A-3B6A0B3F46E2}" type="datetimeFigureOut">
               <a:rPr lang="en-US" smtClean="0"/>
-              <a:t>5/3/2019</a:t>
+              <a:t>7/11/2019</a:t>
             </a:fld>
             <a:endParaRPr lang="en-US"/>
           </a:p>
@@ -1638,7 +1638,7 @@
           <a:p>
             <a:fld id="{DEA2229F-D951-4A8F-BA2A-3B6A0B3F46E2}" type="datetimeFigureOut">
               <a:rPr lang="en-US" smtClean="0"/>
-              <a:t>5/3/2019</a:t>
+              <a:t>7/11/2019</a:t>
             </a:fld>
             <a:endParaRPr lang="en-US"/>
           </a:p>
@@ -1883,7 +1883,7 @@
           <a:p>
             <a:fld id="{DEA2229F-D951-4A8F-BA2A-3B6A0B3F46E2}" type="datetimeFigureOut">
               <a:rPr lang="en-US" smtClean="0"/>
-              <a:t>5/3/2019</a:t>
+              <a:t>7/11/2019</a:t>
             </a:fld>
             <a:endParaRPr lang="en-US"/>
           </a:p>
@@ -2112,7 +2112,7 @@
           <a:p>
             <a:fld id="{DEA2229F-D951-4A8F-BA2A-3B6A0B3F46E2}" type="datetimeFigureOut">
               <a:rPr lang="en-US" smtClean="0"/>
-              <a:t>5/3/2019</a:t>
+              <a:t>7/11/2019</a:t>
             </a:fld>
             <a:endParaRPr lang="en-US"/>
           </a:p>
@@ -2476,7 +2476,7 @@
           <a:p>
             <a:fld id="{DEA2229F-D951-4A8F-BA2A-3B6A0B3F46E2}" type="datetimeFigureOut">
               <a:rPr lang="en-US" smtClean="0"/>
-              <a:t>5/3/2019</a:t>
+              <a:t>7/11/2019</a:t>
             </a:fld>
             <a:endParaRPr lang="en-US"/>
           </a:p>
@@ -2593,7 +2593,7 @@
           <a:p>
             <a:fld id="{DEA2229F-D951-4A8F-BA2A-3B6A0B3F46E2}" type="datetimeFigureOut">
               <a:rPr lang="en-US" smtClean="0"/>
-              <a:t>5/3/2019</a:t>
+              <a:t>7/11/2019</a:t>
             </a:fld>
             <a:endParaRPr lang="en-US"/>
           </a:p>
@@ -2688,7 +2688,7 @@
           <a:p>
             <a:fld id="{DEA2229F-D951-4A8F-BA2A-3B6A0B3F46E2}" type="datetimeFigureOut">
               <a:rPr lang="en-US" smtClean="0"/>
-              <a:t>5/3/2019</a:t>
+              <a:t>7/11/2019</a:t>
             </a:fld>
             <a:endParaRPr lang="en-US"/>
           </a:p>
@@ -2963,7 +2963,7 @@
           <a:p>
             <a:fld id="{DEA2229F-D951-4A8F-BA2A-3B6A0B3F46E2}" type="datetimeFigureOut">
               <a:rPr lang="en-US" smtClean="0"/>
-              <a:t>5/3/2019</a:t>
+              <a:t>7/11/2019</a:t>
             </a:fld>
             <a:endParaRPr lang="en-US"/>
           </a:p>
@@ -3215,7 +3215,7 @@
           <a:p>
             <a:fld id="{DEA2229F-D951-4A8F-BA2A-3B6A0B3F46E2}" type="datetimeFigureOut">
               <a:rPr lang="en-US" smtClean="0"/>
-              <a:t>5/3/2019</a:t>
+              <a:t>7/11/2019</a:t>
             </a:fld>
             <a:endParaRPr lang="en-US"/>
           </a:p>
@@ -3426,7 +3426,7 @@
           <a:p>
             <a:fld id="{DEA2229F-D951-4A8F-BA2A-3B6A0B3F46E2}" type="datetimeFigureOut">
               <a:rPr lang="en-US" smtClean="0"/>
-              <a:t>5/3/2019</a:t>
+              <a:t>7/11/2019</a:t>
             </a:fld>
             <a:endParaRPr lang="en-US"/>
           </a:p>
@@ -3854,7 +3854,7 @@
           <a:p>
             <a:r>
               <a:rPr lang="en-US" dirty="0"/>
-              <a:t>&lt;Trainer name&gt;</a:t>
+              <a:t>Brian Heits	</a:t>
             </a:r>
           </a:p>
         </p:txBody>
@@ -3881,40 +3881,8 @@
           <a:p>
             <a:r>
               <a:rPr lang="en-US" dirty="0"/>
-              <a:t>&lt;Trainer Role&gt; – Edge Professional Services</a:t>
-            </a:r>
-          </a:p>
-        </p:txBody>
-      </p:sp>
-      <p:sp>
-        <p:nvSpPr>
-          <p:cNvPr id="4" name="Text Placeholder 3"/>
-          <p:cNvSpPr>
-            <a:spLocks noGrp="1"/>
-          </p:cNvSpPr>
-          <p:nvPr>
-            <p:ph type="body" sz="quarter" idx="13"/>
-          </p:nvPr>
-        </p:nvSpPr>
-        <p:spPr>
-          <a:xfrm>
-            <a:off x="769939" y="6024556"/>
-            <a:ext cx="7397751" cy="287257"/>
-          </a:xfrm>
-        </p:spPr>
-        <p:txBody>
-          <a:bodyPr/>
-          <a:lstStyle/>
-          <a:p>
-            <a:r>
-              <a:rPr lang="en-US" dirty="0"/>
-              <a:t>March 6th</a:t>
-            </a:r>
-            <a:r>
-              <a:rPr lang="en-US"/>
-              <a:t>, 2019</a:t>
-            </a:r>
-            <a:endParaRPr lang="en-US" dirty="0"/>
+              <a:t>Associate Lead Software Engineer – Edge Professional Services</a:t>
+            </a:r>
           </a:p>
         </p:txBody>
       </p:sp>

--- a/SMART on FHIR Primer.pptx
+++ b/SMART on FHIR Primer.pptx
@@ -151,6 +151,35 @@
 </p:cmAuthorLst>
 </file>
 
+<file path=ppt/changesInfos/changesInfo1.xml><?xml version="1.0" encoding="utf-8"?>
+<pc:chgInfo xmlns:a="http://schemas.openxmlformats.org/drawingml/2006/main" xmlns:r="http://schemas.openxmlformats.org/officeDocument/2006/relationships" xmlns:ac="http://schemas.microsoft.com/office/drawing/2013/main/command" xmlns:pc="http://schemas.microsoft.com/office/powerpoint/2013/main/command">
+  <pc:docChgLst>
+    <pc:chgData name="Heits,Brian" userId="4566fefd-61b7-4c5a-b683-1c8fdafc2832" providerId="ADAL" clId="{61AA512D-9A6D-49E7-8225-531BEBFB3364}"/>
+    <pc:docChg chg="custSel modSld">
+      <pc:chgData name="Heits,Brian" userId="4566fefd-61b7-4c5a-b683-1c8fdafc2832" providerId="ADAL" clId="{61AA512D-9A6D-49E7-8225-531BEBFB3364}" dt="2019-10-15T00:14:29.341" v="23" actId="20577"/>
+      <pc:docMkLst>
+        <pc:docMk/>
+      </pc:docMkLst>
+      <pc:sldChg chg="modSp">
+        <pc:chgData name="Heits,Brian" userId="4566fefd-61b7-4c5a-b683-1c8fdafc2832" providerId="ADAL" clId="{61AA512D-9A6D-49E7-8225-531BEBFB3364}" dt="2019-10-15T00:14:29.341" v="23" actId="20577"/>
+        <pc:sldMkLst>
+          <pc:docMk/>
+          <pc:sldMk cId="579498076" sldId="317"/>
+        </pc:sldMkLst>
+        <pc:spChg chg="mod">
+          <ac:chgData name="Heits,Brian" userId="4566fefd-61b7-4c5a-b683-1c8fdafc2832" providerId="ADAL" clId="{61AA512D-9A6D-49E7-8225-531BEBFB3364}" dt="2019-10-15T00:14:29.341" v="23" actId="20577"/>
+          <ac:spMkLst>
+            <pc:docMk/>
+            <pc:sldMk cId="579498076" sldId="317"/>
+            <ac:spMk id="4" creationId="{00000000-0000-0000-0000-000000000000}"/>
+          </ac:spMkLst>
+        </pc:spChg>
+      </pc:sldChg>
+    </pc:docChg>
+  </pc:docChgLst>
+</pc:chgInfo>
+</file>
+
 <file path=ppt/comments/comment1.xml><?xml version="1.0" encoding="utf-8"?>
 <p:cmLst xmlns:a="http://schemas.openxmlformats.org/drawingml/2006/main" xmlns:r="http://schemas.openxmlformats.org/officeDocument/2006/relationships" xmlns:p="http://schemas.openxmlformats.org/presentationml/2006/main">
   <p:cm authorId="1" dt="2014-08-25T11:42:53.754" idx="2">
@@ -242,7 +271,7 @@
           <a:p>
             <a:fld id="{4031681A-4B84-4DE8-A5EF-A885124D351C}" type="datetimeFigureOut">
               <a:rPr lang="en-US" smtClean="0"/>
-              <a:t>7/11/2019</a:t>
+              <a:t>10/14/2019</a:t>
             </a:fld>
             <a:endParaRPr lang="en-US"/>
           </a:p>
@@ -836,7 +865,7 @@
           <a:p>
             <a:fld id="{DEA2229F-D951-4A8F-BA2A-3B6A0B3F46E2}" type="datetimeFigureOut">
               <a:rPr lang="en-US" smtClean="0"/>
-              <a:t>7/11/2019</a:t>
+              <a:t>10/14/2019</a:t>
             </a:fld>
             <a:endParaRPr lang="en-US"/>
           </a:p>
@@ -1004,7 +1033,7 @@
           <a:p>
             <a:fld id="{DEA2229F-D951-4A8F-BA2A-3B6A0B3F46E2}" type="datetimeFigureOut">
               <a:rPr lang="en-US" smtClean="0"/>
-              <a:t>7/11/2019</a:t>
+              <a:t>10/14/2019</a:t>
             </a:fld>
             <a:endParaRPr lang="en-US"/>
           </a:p>
@@ -1182,7 +1211,7 @@
           <a:p>
             <a:fld id="{DEA2229F-D951-4A8F-BA2A-3B6A0B3F46E2}" type="datetimeFigureOut">
               <a:rPr lang="en-US" smtClean="0"/>
-              <a:t>7/11/2019</a:t>
+              <a:t>10/14/2019</a:t>
             </a:fld>
             <a:endParaRPr lang="en-US"/>
           </a:p>
@@ -1638,7 +1667,7 @@
           <a:p>
             <a:fld id="{DEA2229F-D951-4A8F-BA2A-3B6A0B3F46E2}" type="datetimeFigureOut">
               <a:rPr lang="en-US" smtClean="0"/>
-              <a:t>7/11/2019</a:t>
+              <a:t>10/14/2019</a:t>
             </a:fld>
             <a:endParaRPr lang="en-US"/>
           </a:p>
@@ -1883,7 +1912,7 @@
           <a:p>
             <a:fld id="{DEA2229F-D951-4A8F-BA2A-3B6A0B3F46E2}" type="datetimeFigureOut">
               <a:rPr lang="en-US" smtClean="0"/>
-              <a:t>7/11/2019</a:t>
+              <a:t>10/14/2019</a:t>
             </a:fld>
             <a:endParaRPr lang="en-US"/>
           </a:p>
@@ -2112,7 +2141,7 @@
           <a:p>
             <a:fld id="{DEA2229F-D951-4A8F-BA2A-3B6A0B3F46E2}" type="datetimeFigureOut">
               <a:rPr lang="en-US" smtClean="0"/>
-              <a:t>7/11/2019</a:t>
+              <a:t>10/14/2019</a:t>
             </a:fld>
             <a:endParaRPr lang="en-US"/>
           </a:p>
@@ -2476,7 +2505,7 @@
           <a:p>
             <a:fld id="{DEA2229F-D951-4A8F-BA2A-3B6A0B3F46E2}" type="datetimeFigureOut">
               <a:rPr lang="en-US" smtClean="0"/>
-              <a:t>7/11/2019</a:t>
+              <a:t>10/14/2019</a:t>
             </a:fld>
             <a:endParaRPr lang="en-US"/>
           </a:p>
@@ -2593,7 +2622,7 @@
           <a:p>
             <a:fld id="{DEA2229F-D951-4A8F-BA2A-3B6A0B3F46E2}" type="datetimeFigureOut">
               <a:rPr lang="en-US" smtClean="0"/>
-              <a:t>7/11/2019</a:t>
+              <a:t>10/14/2019</a:t>
             </a:fld>
             <a:endParaRPr lang="en-US"/>
           </a:p>
@@ -2688,7 +2717,7 @@
           <a:p>
             <a:fld id="{DEA2229F-D951-4A8F-BA2A-3B6A0B3F46E2}" type="datetimeFigureOut">
               <a:rPr lang="en-US" smtClean="0"/>
-              <a:t>7/11/2019</a:t>
+              <a:t>10/14/2019</a:t>
             </a:fld>
             <a:endParaRPr lang="en-US"/>
           </a:p>
@@ -2963,7 +2992,7 @@
           <a:p>
             <a:fld id="{DEA2229F-D951-4A8F-BA2A-3B6A0B3F46E2}" type="datetimeFigureOut">
               <a:rPr lang="en-US" smtClean="0"/>
-              <a:t>7/11/2019</a:t>
+              <a:t>10/14/2019</a:t>
             </a:fld>
             <a:endParaRPr lang="en-US"/>
           </a:p>
@@ -3215,7 +3244,7 @@
           <a:p>
             <a:fld id="{DEA2229F-D951-4A8F-BA2A-3B6A0B3F46E2}" type="datetimeFigureOut">
               <a:rPr lang="en-US" smtClean="0"/>
-              <a:t>7/11/2019</a:t>
+              <a:t>10/14/2019</a:t>
             </a:fld>
             <a:endParaRPr lang="en-US"/>
           </a:p>
@@ -3426,7 +3455,7 @@
           <a:p>
             <a:fld id="{DEA2229F-D951-4A8F-BA2A-3B6A0B3F46E2}" type="datetimeFigureOut">
               <a:rPr lang="en-US" smtClean="0"/>
-              <a:t>7/11/2019</a:t>
+              <a:t>10/14/2019</a:t>
             </a:fld>
             <a:endParaRPr lang="en-US"/>
           </a:p>
@@ -3854,7 +3883,7 @@
           <a:p>
             <a:r>
               <a:rPr lang="en-US" dirty="0"/>
-              <a:t>Brian Heits	</a:t>
+              <a:t>Brian Heits</a:t>
             </a:r>
           </a:p>
         </p:txBody>
@@ -3882,6 +3911,49 @@
             <a:r>
               <a:rPr lang="en-US" dirty="0"/>
               <a:t>Associate Lead Software Engineer – Edge Professional Services</a:t>
+            </a:r>
+          </a:p>
+        </p:txBody>
+      </p:sp>
+      <p:sp>
+        <p:nvSpPr>
+          <p:cNvPr id="4" name="Text Placeholder 3"/>
+          <p:cNvSpPr>
+            <a:spLocks noGrp="1"/>
+          </p:cNvSpPr>
+          <p:nvPr>
+            <p:ph type="body" sz="quarter" idx="13"/>
+          </p:nvPr>
+        </p:nvSpPr>
+        <p:spPr>
+          <a:xfrm>
+            <a:off x="769939" y="6024556"/>
+            <a:ext cx="7397751" cy="287257"/>
+          </a:xfrm>
+        </p:spPr>
+        <p:txBody>
+          <a:bodyPr/>
+          <a:lstStyle/>
+          <a:p>
+            <a:r>
+              <a:rPr lang="en-US" dirty="0"/>
+              <a:t>October 15</a:t>
+            </a:r>
+            <a:r>
+              <a:rPr lang="en-US" baseline="30000" dirty="0"/>
+              <a:t>th</a:t>
+            </a:r>
+            <a:r>
+              <a:rPr lang="en-US" dirty="0"/>
+              <a:t> – 17</a:t>
+            </a:r>
+            <a:r>
+              <a:rPr lang="en-US" baseline="30000" dirty="0"/>
+              <a:t>th</a:t>
+            </a:r>
+            <a:r>
+              <a:rPr lang="en-US" dirty="0"/>
+              <a:t>, 2019</a:t>
             </a:r>
           </a:p>
         </p:txBody>

--- a/SMART on FHIR Primer.pptx
+++ b/SMART on FHIR Primer.pptx
@@ -151,35 +151,6 @@
 </p:cmAuthorLst>
 </file>
 
-<file path=ppt/changesInfos/changesInfo1.xml><?xml version="1.0" encoding="utf-8"?>
-<pc:chgInfo xmlns:a="http://schemas.openxmlformats.org/drawingml/2006/main" xmlns:r="http://schemas.openxmlformats.org/officeDocument/2006/relationships" xmlns:ac="http://schemas.microsoft.com/office/drawing/2013/main/command" xmlns:pc="http://schemas.microsoft.com/office/powerpoint/2013/main/command">
-  <pc:docChgLst>
-    <pc:chgData name="Heits,Brian" userId="4566fefd-61b7-4c5a-b683-1c8fdafc2832" providerId="ADAL" clId="{61AA512D-9A6D-49E7-8225-531BEBFB3364}"/>
-    <pc:docChg chg="custSel modSld">
-      <pc:chgData name="Heits,Brian" userId="4566fefd-61b7-4c5a-b683-1c8fdafc2832" providerId="ADAL" clId="{61AA512D-9A6D-49E7-8225-531BEBFB3364}" dt="2019-10-15T00:14:29.341" v="23" actId="20577"/>
-      <pc:docMkLst>
-        <pc:docMk/>
-      </pc:docMkLst>
-      <pc:sldChg chg="modSp">
-        <pc:chgData name="Heits,Brian" userId="4566fefd-61b7-4c5a-b683-1c8fdafc2832" providerId="ADAL" clId="{61AA512D-9A6D-49E7-8225-531BEBFB3364}" dt="2019-10-15T00:14:29.341" v="23" actId="20577"/>
-        <pc:sldMkLst>
-          <pc:docMk/>
-          <pc:sldMk cId="579498076" sldId="317"/>
-        </pc:sldMkLst>
-        <pc:spChg chg="mod">
-          <ac:chgData name="Heits,Brian" userId="4566fefd-61b7-4c5a-b683-1c8fdafc2832" providerId="ADAL" clId="{61AA512D-9A6D-49E7-8225-531BEBFB3364}" dt="2019-10-15T00:14:29.341" v="23" actId="20577"/>
-          <ac:spMkLst>
-            <pc:docMk/>
-            <pc:sldMk cId="579498076" sldId="317"/>
-            <ac:spMk id="4" creationId="{00000000-0000-0000-0000-000000000000}"/>
-          </ac:spMkLst>
-        </pc:spChg>
-      </pc:sldChg>
-    </pc:docChg>
-  </pc:docChgLst>
-</pc:chgInfo>
-</file>
-
 <file path=ppt/comments/comment1.xml><?xml version="1.0" encoding="utf-8"?>
 <p:cmLst xmlns:a="http://schemas.openxmlformats.org/drawingml/2006/main" xmlns:r="http://schemas.openxmlformats.org/officeDocument/2006/relationships" xmlns:p="http://schemas.openxmlformats.org/presentationml/2006/main">
   <p:cm authorId="1" dt="2014-08-25T11:42:53.754" idx="2">
@@ -271,7 +242,7 @@
           <a:p>
             <a:fld id="{4031681A-4B84-4DE8-A5EF-A885124D351C}" type="datetimeFigureOut">
               <a:rPr lang="en-US" smtClean="0"/>
-              <a:t>10/14/2019</a:t>
+              <a:t>5/31/2021</a:t>
             </a:fld>
             <a:endParaRPr lang="en-US"/>
           </a:p>
@@ -865,7 +836,7 @@
           <a:p>
             <a:fld id="{DEA2229F-D951-4A8F-BA2A-3B6A0B3F46E2}" type="datetimeFigureOut">
               <a:rPr lang="en-US" smtClean="0"/>
-              <a:t>10/14/2019</a:t>
+              <a:t>5/31/2021</a:t>
             </a:fld>
             <a:endParaRPr lang="en-US"/>
           </a:p>
@@ -1033,7 +1004,7 @@
           <a:p>
             <a:fld id="{DEA2229F-D951-4A8F-BA2A-3B6A0B3F46E2}" type="datetimeFigureOut">
               <a:rPr lang="en-US" smtClean="0"/>
-              <a:t>10/14/2019</a:t>
+              <a:t>5/31/2021</a:t>
             </a:fld>
             <a:endParaRPr lang="en-US"/>
           </a:p>
@@ -1211,7 +1182,7 @@
           <a:p>
             <a:fld id="{DEA2229F-D951-4A8F-BA2A-3B6A0B3F46E2}" type="datetimeFigureOut">
               <a:rPr lang="en-US" smtClean="0"/>
-              <a:t>10/14/2019</a:t>
+              <a:t>5/31/2021</a:t>
             </a:fld>
             <a:endParaRPr lang="en-US"/>
           </a:p>
@@ -1667,7 +1638,7 @@
           <a:p>
             <a:fld id="{DEA2229F-D951-4A8F-BA2A-3B6A0B3F46E2}" type="datetimeFigureOut">
               <a:rPr lang="en-US" smtClean="0"/>
-              <a:t>10/14/2019</a:t>
+              <a:t>5/31/2021</a:t>
             </a:fld>
             <a:endParaRPr lang="en-US"/>
           </a:p>
@@ -1912,7 +1883,7 @@
           <a:p>
             <a:fld id="{DEA2229F-D951-4A8F-BA2A-3B6A0B3F46E2}" type="datetimeFigureOut">
               <a:rPr lang="en-US" smtClean="0"/>
-              <a:t>10/14/2019</a:t>
+              <a:t>5/31/2021</a:t>
             </a:fld>
             <a:endParaRPr lang="en-US"/>
           </a:p>
@@ -2141,7 +2112,7 @@
           <a:p>
             <a:fld id="{DEA2229F-D951-4A8F-BA2A-3B6A0B3F46E2}" type="datetimeFigureOut">
               <a:rPr lang="en-US" smtClean="0"/>
-              <a:t>10/14/2019</a:t>
+              <a:t>5/31/2021</a:t>
             </a:fld>
             <a:endParaRPr lang="en-US"/>
           </a:p>
@@ -2505,7 +2476,7 @@
           <a:p>
             <a:fld id="{DEA2229F-D951-4A8F-BA2A-3B6A0B3F46E2}" type="datetimeFigureOut">
               <a:rPr lang="en-US" smtClean="0"/>
-              <a:t>10/14/2019</a:t>
+              <a:t>5/31/2021</a:t>
             </a:fld>
             <a:endParaRPr lang="en-US"/>
           </a:p>
@@ -2622,7 +2593,7 @@
           <a:p>
             <a:fld id="{DEA2229F-D951-4A8F-BA2A-3B6A0B3F46E2}" type="datetimeFigureOut">
               <a:rPr lang="en-US" smtClean="0"/>
-              <a:t>10/14/2019</a:t>
+              <a:t>5/31/2021</a:t>
             </a:fld>
             <a:endParaRPr lang="en-US"/>
           </a:p>
@@ -2717,7 +2688,7 @@
           <a:p>
             <a:fld id="{DEA2229F-D951-4A8F-BA2A-3B6A0B3F46E2}" type="datetimeFigureOut">
               <a:rPr lang="en-US" smtClean="0"/>
-              <a:t>10/14/2019</a:t>
+              <a:t>5/31/2021</a:t>
             </a:fld>
             <a:endParaRPr lang="en-US"/>
           </a:p>
@@ -2992,7 +2963,7 @@
           <a:p>
             <a:fld id="{DEA2229F-D951-4A8F-BA2A-3B6A0B3F46E2}" type="datetimeFigureOut">
               <a:rPr lang="en-US" smtClean="0"/>
-              <a:t>10/14/2019</a:t>
+              <a:t>5/31/2021</a:t>
             </a:fld>
             <a:endParaRPr lang="en-US"/>
           </a:p>
@@ -3244,7 +3215,7 @@
           <a:p>
             <a:fld id="{DEA2229F-D951-4A8F-BA2A-3B6A0B3F46E2}" type="datetimeFigureOut">
               <a:rPr lang="en-US" smtClean="0"/>
-              <a:t>10/14/2019</a:t>
+              <a:t>5/31/2021</a:t>
             </a:fld>
             <a:endParaRPr lang="en-US"/>
           </a:p>
@@ -3455,7 +3426,7 @@
           <a:p>
             <a:fld id="{DEA2229F-D951-4A8F-BA2A-3B6A0B3F46E2}" type="datetimeFigureOut">
               <a:rPr lang="en-US" smtClean="0"/>
-              <a:t>10/14/2019</a:t>
+              <a:t>5/31/2021</a:t>
             </a:fld>
             <a:endParaRPr lang="en-US"/>
           </a:p>
@@ -3910,7 +3881,7 @@
           <a:p>
             <a:r>
               <a:rPr lang="en-US" dirty="0"/>
-              <a:t>Associate Lead Software Engineer – Edge Professional Services</a:t>
+              <a:t>Lead Software Engineer – Edge Professional Services</a:t>
             </a:r>
           </a:p>
         </p:txBody>
@@ -3937,7 +3908,15 @@
           <a:p>
             <a:r>
               <a:rPr lang="en-US" dirty="0"/>
-              <a:t>October 15</a:t>
+              <a:t>June 1</a:t>
+            </a:r>
+            <a:r>
+              <a:rPr lang="en-US" baseline="30000" dirty="0"/>
+              <a:t>st</a:t>
+            </a:r>
+            <a:r>
+              <a:rPr lang="en-US" dirty="0"/>
+              <a:t> – 4</a:t>
             </a:r>
             <a:r>
               <a:rPr lang="en-US" baseline="30000" dirty="0"/>
@@ -3945,15 +3924,7 @@
             </a:r>
             <a:r>
               <a:rPr lang="en-US" dirty="0"/>
-              <a:t> – 17</a:t>
-            </a:r>
-            <a:r>
-              <a:rPr lang="en-US" baseline="30000" dirty="0"/>
-              <a:t>th</a:t>
-            </a:r>
-            <a:r>
-              <a:rPr lang="en-US" dirty="0"/>
-              <a:t>, 2019</a:t>
+              <a:t>, 2021</a:t>
             </a:r>
           </a:p>
         </p:txBody>
@@ -5509,37 +5480,79 @@
             <a:r>
               <a:rPr lang="en-US" sz="3600" dirty="0">
                 <a:latin typeface="Calibri-Light"/>
+                <a:hlinkClick r:id="rId3"/>
               </a:rPr>
               <a:t>smarthealthit.org</a:t>
             </a:r>
-          </a:p>
-          <a:p>
             <a:endParaRPr lang="en-US" sz="3600" dirty="0">
               <a:latin typeface="Calibri-Light"/>
             </a:endParaRPr>
           </a:p>
           <a:p>
+            <a:endParaRPr lang="en-US" sz="3600" dirty="0">
+              <a:latin typeface="Calibri-Light"/>
+            </a:endParaRPr>
+          </a:p>
+          <a:p>
+            <a:r>
+              <a:rPr lang="en-US" sz="3600" dirty="0">
+                <a:latin typeface="Calibri-Light"/>
+                <a:hlinkClick r:id="rId4"/>
+              </a:rPr>
+              <a:t>gallery.smarthealthit.org</a:t>
+            </a:r>
+            <a:endParaRPr lang="en-US" sz="3600" dirty="0">
+              <a:latin typeface="Calibri-Light"/>
+            </a:endParaRPr>
+          </a:p>
+          <a:p>
+            <a:endParaRPr lang="en-US" sz="3600" dirty="0">
+              <a:latin typeface="Calibri-Light"/>
+            </a:endParaRPr>
+          </a:p>
+          <a:p>
+            <a:r>
+              <a:rPr lang="en-US" sz="3600" dirty="0">
+                <a:latin typeface="Calibri-Light"/>
+                <a:hlinkClick r:id="rId5"/>
+              </a:rPr>
+              <a:t>docs.smarthealthit.org</a:t>
+            </a:r>
+            <a:endParaRPr lang="en-US" sz="3600" dirty="0">
+              <a:latin typeface="Calibri-Light"/>
+            </a:endParaRPr>
+          </a:p>
+          <a:p>
+            <a:endParaRPr lang="en-US" sz="3600" dirty="0">
+              <a:latin typeface="Calibri-Light"/>
+            </a:endParaRPr>
+          </a:p>
+          <a:p>
+            <a:r>
+              <a:rPr lang="en-US" sz="3600" dirty="0">
+                <a:latin typeface="Calibri-Light"/>
+                <a:hlinkClick r:id="rId6"/>
+              </a:rPr>
+              <a:t>chat.fhir.org</a:t>
+            </a:r>
             <a:r>
               <a:rPr lang="en-US" sz="3600" dirty="0">
                 <a:latin typeface="Calibri-Light"/>
               </a:rPr>
-              <a:t>gallery.smarthealthit.org</a:t>
-            </a:r>
-          </a:p>
-          <a:p>
+              <a:t> | </a:t>
+            </a:r>
+            <a:r>
+              <a:rPr lang="en-US" sz="3600" dirty="0">
+                <a:latin typeface="Calibri-Light"/>
+                <a:hlinkClick r:id="rId7"/>
+              </a:rPr>
+              <a:t>bit.ly/smart-google-group</a:t>
+            </a:r>
             <a:endParaRPr lang="en-US" sz="3600" dirty="0">
               <a:latin typeface="Calibri-Light"/>
             </a:endParaRPr>
           </a:p>
           <a:p>
-            <a:r>
-              <a:rPr lang="en-US" sz="3600" dirty="0">
-                <a:latin typeface="Calibri-Light"/>
-              </a:rPr>
-              <a:t>docs.smarthealthit.org</a:t>
-            </a:r>
-          </a:p>
-          <a:p>
             <a:endParaRPr lang="en-US" sz="3600" dirty="0">
               <a:latin typeface="Calibri-Light"/>
             </a:endParaRPr>
@@ -5548,25 +5561,14 @@
             <a:r>
               <a:rPr lang="en-US" sz="3600" dirty="0">
                 <a:latin typeface="Calibri-Light"/>
-              </a:rPr>
-              <a:t>chat.fhir.org | bit.ly/smart-google-group</a:t>
-            </a:r>
-          </a:p>
-          <a:p>
-            <a:endParaRPr lang="en-US" sz="3600" dirty="0">
-              <a:latin typeface="Calibri-Light"/>
-            </a:endParaRPr>
-          </a:p>
-          <a:p>
-            <a:r>
-              <a:rPr lang="en-US" sz="3600" dirty="0">
-                <a:latin typeface="Calibri-Light"/>
+                <a:hlinkClick r:id="rId8"/>
               </a:rPr>
               <a:t>github.com/smart-on-</a:t>
             </a:r>
             <a:r>
               <a:rPr lang="en-US" sz="3600" dirty="0" err="1">
                 <a:latin typeface="Calibri-Light"/>
+                <a:hlinkClick r:id="rId8"/>
               </a:rPr>
               <a:t>fhir</a:t>
             </a:r>
@@ -5583,7 +5585,7 @@
           <p:nvPr/>
         </p:nvPicPr>
         <p:blipFill>
-          <a:blip r:embed="rId3"/>
+          <a:blip r:embed="rId9"/>
           <a:stretch>
             <a:fillRect/>
           </a:stretch>
@@ -5607,7 +5609,7 @@
           <p:nvPr/>
         </p:nvPicPr>
         <p:blipFill>
-          <a:blip r:embed="rId4"/>
+          <a:blip r:embed="rId10"/>
           <a:stretch>
             <a:fillRect/>
           </a:stretch>
@@ -5631,7 +5633,7 @@
           <p:nvPr/>
         </p:nvPicPr>
         <p:blipFill>
-          <a:blip r:embed="rId5"/>
+          <a:blip r:embed="rId11"/>
           <a:stretch>
             <a:fillRect/>
           </a:stretch>
@@ -5655,7 +5657,7 @@
           <p:nvPr/>
         </p:nvPicPr>
         <p:blipFill>
-          <a:blip r:embed="rId6"/>
+          <a:blip r:embed="rId12"/>
           <a:stretch>
             <a:fillRect/>
           </a:stretch>
@@ -5679,7 +5681,7 @@
           <p:nvPr/>
         </p:nvPicPr>
         <p:blipFill>
-          <a:blip r:embed="rId7"/>
+          <a:blip r:embed="rId13"/>
           <a:stretch>
             <a:fillRect/>
           </a:stretch>

--- a/SMART on FHIR Primer.pptx
+++ b/SMART on FHIR Primer.pptx
@@ -242,7 +242,7 @@
           <a:p>
             <a:fld id="{4031681A-4B84-4DE8-A5EF-A885124D351C}" type="datetimeFigureOut">
               <a:rPr lang="en-US" smtClean="0"/>
-              <a:t>5/31/2021</a:t>
+              <a:t>4/26/2022</a:t>
             </a:fld>
             <a:endParaRPr lang="en-US"/>
           </a:p>
@@ -836,7 +836,7 @@
           <a:p>
             <a:fld id="{DEA2229F-D951-4A8F-BA2A-3B6A0B3F46E2}" type="datetimeFigureOut">
               <a:rPr lang="en-US" smtClean="0"/>
-              <a:t>5/31/2021</a:t>
+              <a:t>4/26/2022</a:t>
             </a:fld>
             <a:endParaRPr lang="en-US"/>
           </a:p>
@@ -1004,7 +1004,7 @@
           <a:p>
             <a:fld id="{DEA2229F-D951-4A8F-BA2A-3B6A0B3F46E2}" type="datetimeFigureOut">
               <a:rPr lang="en-US" smtClean="0"/>
-              <a:t>5/31/2021</a:t>
+              <a:t>4/26/2022</a:t>
             </a:fld>
             <a:endParaRPr lang="en-US"/>
           </a:p>
@@ -1182,7 +1182,7 @@
           <a:p>
             <a:fld id="{DEA2229F-D951-4A8F-BA2A-3B6A0B3F46E2}" type="datetimeFigureOut">
               <a:rPr lang="en-US" smtClean="0"/>
-              <a:t>5/31/2021</a:t>
+              <a:t>4/26/2022</a:t>
             </a:fld>
             <a:endParaRPr lang="en-US"/>
           </a:p>
@@ -1638,7 +1638,7 @@
           <a:p>
             <a:fld id="{DEA2229F-D951-4A8F-BA2A-3B6A0B3F46E2}" type="datetimeFigureOut">
               <a:rPr lang="en-US" smtClean="0"/>
-              <a:t>5/31/2021</a:t>
+              <a:t>4/26/2022</a:t>
             </a:fld>
             <a:endParaRPr lang="en-US"/>
           </a:p>
@@ -1883,7 +1883,7 @@
           <a:p>
             <a:fld id="{DEA2229F-D951-4A8F-BA2A-3B6A0B3F46E2}" type="datetimeFigureOut">
               <a:rPr lang="en-US" smtClean="0"/>
-              <a:t>5/31/2021</a:t>
+              <a:t>4/26/2022</a:t>
             </a:fld>
             <a:endParaRPr lang="en-US"/>
           </a:p>
@@ -2112,7 +2112,7 @@
           <a:p>
             <a:fld id="{DEA2229F-D951-4A8F-BA2A-3B6A0B3F46E2}" type="datetimeFigureOut">
               <a:rPr lang="en-US" smtClean="0"/>
-              <a:t>5/31/2021</a:t>
+              <a:t>4/26/2022</a:t>
             </a:fld>
             <a:endParaRPr lang="en-US"/>
           </a:p>
@@ -2476,7 +2476,7 @@
           <a:p>
             <a:fld id="{DEA2229F-D951-4A8F-BA2A-3B6A0B3F46E2}" type="datetimeFigureOut">
               <a:rPr lang="en-US" smtClean="0"/>
-              <a:t>5/31/2021</a:t>
+              <a:t>4/26/2022</a:t>
             </a:fld>
             <a:endParaRPr lang="en-US"/>
           </a:p>
@@ -2593,7 +2593,7 @@
           <a:p>
             <a:fld id="{DEA2229F-D951-4A8F-BA2A-3B6A0B3F46E2}" type="datetimeFigureOut">
               <a:rPr lang="en-US" smtClean="0"/>
-              <a:t>5/31/2021</a:t>
+              <a:t>4/26/2022</a:t>
             </a:fld>
             <a:endParaRPr lang="en-US"/>
           </a:p>
@@ -2688,7 +2688,7 @@
           <a:p>
             <a:fld id="{DEA2229F-D951-4A8F-BA2A-3B6A0B3F46E2}" type="datetimeFigureOut">
               <a:rPr lang="en-US" smtClean="0"/>
-              <a:t>5/31/2021</a:t>
+              <a:t>4/26/2022</a:t>
             </a:fld>
             <a:endParaRPr lang="en-US"/>
           </a:p>
@@ -2963,7 +2963,7 @@
           <a:p>
             <a:fld id="{DEA2229F-D951-4A8F-BA2A-3B6A0B3F46E2}" type="datetimeFigureOut">
               <a:rPr lang="en-US" smtClean="0"/>
-              <a:t>5/31/2021</a:t>
+              <a:t>4/26/2022</a:t>
             </a:fld>
             <a:endParaRPr lang="en-US"/>
           </a:p>
@@ -3215,7 +3215,7 @@
           <a:p>
             <a:fld id="{DEA2229F-D951-4A8F-BA2A-3B6A0B3F46E2}" type="datetimeFigureOut">
               <a:rPr lang="en-US" smtClean="0"/>
-              <a:t>5/31/2021</a:t>
+              <a:t>4/26/2022</a:t>
             </a:fld>
             <a:endParaRPr lang="en-US"/>
           </a:p>
@@ -3426,7 +3426,7 @@
           <a:p>
             <a:fld id="{DEA2229F-D951-4A8F-BA2A-3B6A0B3F46E2}" type="datetimeFigureOut">
               <a:rPr lang="en-US" smtClean="0"/>
-              <a:t>5/31/2021</a:t>
+              <a:t>4/26/2022</a:t>
             </a:fld>
             <a:endParaRPr lang="en-US"/>
           </a:p>
@@ -3881,7 +3881,7 @@
           <a:p>
             <a:r>
               <a:rPr lang="en-US" dirty="0"/>
-              <a:t>Lead Software Engineer – Edge Professional Services</a:t>
+              <a:t>Associate Lead Software Engineer – Edge Professional Services</a:t>
             </a:r>
           </a:p>
         </p:txBody>
@@ -3908,23 +3908,7 @@
           <a:p>
             <a:r>
               <a:rPr lang="en-US" dirty="0"/>
-              <a:t>June 1</a:t>
-            </a:r>
-            <a:r>
-              <a:rPr lang="en-US" baseline="30000" dirty="0"/>
-              <a:t>st</a:t>
-            </a:r>
-            <a:r>
-              <a:rPr lang="en-US" dirty="0"/>
-              <a:t> – 4</a:t>
-            </a:r>
-            <a:r>
-              <a:rPr lang="en-US" baseline="30000" dirty="0"/>
-              <a:t>th</a:t>
-            </a:r>
-            <a:r>
-              <a:rPr lang="en-US" dirty="0"/>
-              <a:t>, 2021</a:t>
+              <a:t>April 28th, 2022</a:t>
             </a:r>
           </a:p>
         </p:txBody>
@@ -5533,13 +5517,13 @@
                 <a:latin typeface="Calibri-Light"/>
                 <a:hlinkClick r:id="rId6"/>
               </a:rPr>
-              <a:t>chat.fhir.org</a:t>
+              <a:t>chat.fhir.org </a:t>
             </a:r>
             <a:r>
               <a:rPr lang="en-US" sz="3600" dirty="0">
                 <a:latin typeface="Calibri-Light"/>
               </a:rPr>
-              <a:t> | </a:t>
+              <a:t>| </a:t>
             </a:r>
             <a:r>
               <a:rPr lang="en-US" sz="3600" dirty="0">

--- a/SMART on FHIR Primer.pptx
+++ b/SMART on FHIR Primer.pptx
@@ -242,7 +242,7 @@
           <a:p>
             <a:fld id="{4031681A-4B84-4DE8-A5EF-A885124D351C}" type="datetimeFigureOut">
               <a:rPr lang="en-US" smtClean="0"/>
-              <a:t>4/26/2022</a:t>
+              <a:t>6/25/2022</a:t>
             </a:fld>
             <a:endParaRPr lang="en-US"/>
           </a:p>
@@ -836,7 +836,7 @@
           <a:p>
             <a:fld id="{DEA2229F-D951-4A8F-BA2A-3B6A0B3F46E2}" type="datetimeFigureOut">
               <a:rPr lang="en-US" smtClean="0"/>
-              <a:t>4/26/2022</a:t>
+              <a:t>6/25/2022</a:t>
             </a:fld>
             <a:endParaRPr lang="en-US"/>
           </a:p>
@@ -1004,7 +1004,7 @@
           <a:p>
             <a:fld id="{DEA2229F-D951-4A8F-BA2A-3B6A0B3F46E2}" type="datetimeFigureOut">
               <a:rPr lang="en-US" smtClean="0"/>
-              <a:t>4/26/2022</a:t>
+              <a:t>6/25/2022</a:t>
             </a:fld>
             <a:endParaRPr lang="en-US"/>
           </a:p>
@@ -1182,7 +1182,7 @@
           <a:p>
             <a:fld id="{DEA2229F-D951-4A8F-BA2A-3B6A0B3F46E2}" type="datetimeFigureOut">
               <a:rPr lang="en-US" smtClean="0"/>
-              <a:t>4/26/2022</a:t>
+              <a:t>6/25/2022</a:t>
             </a:fld>
             <a:endParaRPr lang="en-US"/>
           </a:p>
@@ -1638,7 +1638,7 @@
           <a:p>
             <a:fld id="{DEA2229F-D951-4A8F-BA2A-3B6A0B3F46E2}" type="datetimeFigureOut">
               <a:rPr lang="en-US" smtClean="0"/>
-              <a:t>4/26/2022</a:t>
+              <a:t>6/25/2022</a:t>
             </a:fld>
             <a:endParaRPr lang="en-US"/>
           </a:p>
@@ -1883,7 +1883,7 @@
           <a:p>
             <a:fld id="{DEA2229F-D951-4A8F-BA2A-3B6A0B3F46E2}" type="datetimeFigureOut">
               <a:rPr lang="en-US" smtClean="0"/>
-              <a:t>4/26/2022</a:t>
+              <a:t>6/25/2022</a:t>
             </a:fld>
             <a:endParaRPr lang="en-US"/>
           </a:p>
@@ -2112,7 +2112,7 @@
           <a:p>
             <a:fld id="{DEA2229F-D951-4A8F-BA2A-3B6A0B3F46E2}" type="datetimeFigureOut">
               <a:rPr lang="en-US" smtClean="0"/>
-              <a:t>4/26/2022</a:t>
+              <a:t>6/25/2022</a:t>
             </a:fld>
             <a:endParaRPr lang="en-US"/>
           </a:p>
@@ -2476,7 +2476,7 @@
           <a:p>
             <a:fld id="{DEA2229F-D951-4A8F-BA2A-3B6A0B3F46E2}" type="datetimeFigureOut">
               <a:rPr lang="en-US" smtClean="0"/>
-              <a:t>4/26/2022</a:t>
+              <a:t>6/25/2022</a:t>
             </a:fld>
             <a:endParaRPr lang="en-US"/>
           </a:p>
@@ -2593,7 +2593,7 @@
           <a:p>
             <a:fld id="{DEA2229F-D951-4A8F-BA2A-3B6A0B3F46E2}" type="datetimeFigureOut">
               <a:rPr lang="en-US" smtClean="0"/>
-              <a:t>4/26/2022</a:t>
+              <a:t>6/25/2022</a:t>
             </a:fld>
             <a:endParaRPr lang="en-US"/>
           </a:p>
@@ -2688,7 +2688,7 @@
           <a:p>
             <a:fld id="{DEA2229F-D951-4A8F-BA2A-3B6A0B3F46E2}" type="datetimeFigureOut">
               <a:rPr lang="en-US" smtClean="0"/>
-              <a:t>4/26/2022</a:t>
+              <a:t>6/25/2022</a:t>
             </a:fld>
             <a:endParaRPr lang="en-US"/>
           </a:p>
@@ -2963,7 +2963,7 @@
           <a:p>
             <a:fld id="{DEA2229F-D951-4A8F-BA2A-3B6A0B3F46E2}" type="datetimeFigureOut">
               <a:rPr lang="en-US" smtClean="0"/>
-              <a:t>4/26/2022</a:t>
+              <a:t>6/25/2022</a:t>
             </a:fld>
             <a:endParaRPr lang="en-US"/>
           </a:p>
@@ -3215,7 +3215,7 @@
           <a:p>
             <a:fld id="{DEA2229F-D951-4A8F-BA2A-3B6A0B3F46E2}" type="datetimeFigureOut">
               <a:rPr lang="en-US" smtClean="0"/>
-              <a:t>4/26/2022</a:t>
+              <a:t>6/25/2022</a:t>
             </a:fld>
             <a:endParaRPr lang="en-US"/>
           </a:p>
@@ -3426,7 +3426,7 @@
           <a:p>
             <a:fld id="{DEA2229F-D951-4A8F-BA2A-3B6A0B3F46E2}" type="datetimeFigureOut">
               <a:rPr lang="en-US" smtClean="0"/>
-              <a:t>4/26/2022</a:t>
+              <a:t>6/25/2022</a:t>
             </a:fld>
             <a:endParaRPr lang="en-US"/>
           </a:p>
@@ -3908,7 +3908,7 @@
           <a:p>
             <a:r>
               <a:rPr lang="en-US" dirty="0"/>
-              <a:t>April 28th, 2022</a:t>
+              <a:t>June 28th, 2022</a:t>
             </a:r>
           </a:p>
         </p:txBody>

--- a/SMART on FHIR Primer.pptx
+++ b/SMART on FHIR Primer.pptx
@@ -242,7 +242,7 @@
           <a:p>
             <a:fld id="{4031681A-4B84-4DE8-A5EF-A885124D351C}" type="datetimeFigureOut">
               <a:rPr lang="en-US" smtClean="0"/>
-              <a:t>6/25/2022</a:t>
+              <a:t>7/17/2022</a:t>
             </a:fld>
             <a:endParaRPr lang="en-US"/>
           </a:p>
@@ -836,7 +836,7 @@
           <a:p>
             <a:fld id="{DEA2229F-D951-4A8F-BA2A-3B6A0B3F46E2}" type="datetimeFigureOut">
               <a:rPr lang="en-US" smtClean="0"/>
-              <a:t>6/25/2022</a:t>
+              <a:t>7/17/2022</a:t>
             </a:fld>
             <a:endParaRPr lang="en-US"/>
           </a:p>
@@ -1004,7 +1004,7 @@
           <a:p>
             <a:fld id="{DEA2229F-D951-4A8F-BA2A-3B6A0B3F46E2}" type="datetimeFigureOut">
               <a:rPr lang="en-US" smtClean="0"/>
-              <a:t>6/25/2022</a:t>
+              <a:t>7/17/2022</a:t>
             </a:fld>
             <a:endParaRPr lang="en-US"/>
           </a:p>
@@ -1182,7 +1182,7 @@
           <a:p>
             <a:fld id="{DEA2229F-D951-4A8F-BA2A-3B6A0B3F46E2}" type="datetimeFigureOut">
               <a:rPr lang="en-US" smtClean="0"/>
-              <a:t>6/25/2022</a:t>
+              <a:t>7/17/2022</a:t>
             </a:fld>
             <a:endParaRPr lang="en-US"/>
           </a:p>
@@ -1638,7 +1638,7 @@
           <a:p>
             <a:fld id="{DEA2229F-D951-4A8F-BA2A-3B6A0B3F46E2}" type="datetimeFigureOut">
               <a:rPr lang="en-US" smtClean="0"/>
-              <a:t>6/25/2022</a:t>
+              <a:t>7/17/2022</a:t>
             </a:fld>
             <a:endParaRPr lang="en-US"/>
           </a:p>
@@ -1883,7 +1883,7 @@
           <a:p>
             <a:fld id="{DEA2229F-D951-4A8F-BA2A-3B6A0B3F46E2}" type="datetimeFigureOut">
               <a:rPr lang="en-US" smtClean="0"/>
-              <a:t>6/25/2022</a:t>
+              <a:t>7/17/2022</a:t>
             </a:fld>
             <a:endParaRPr lang="en-US"/>
           </a:p>
@@ -2112,7 +2112,7 @@
           <a:p>
             <a:fld id="{DEA2229F-D951-4A8F-BA2A-3B6A0B3F46E2}" type="datetimeFigureOut">
               <a:rPr lang="en-US" smtClean="0"/>
-              <a:t>6/25/2022</a:t>
+              <a:t>7/17/2022</a:t>
             </a:fld>
             <a:endParaRPr lang="en-US"/>
           </a:p>
@@ -2476,7 +2476,7 @@
           <a:p>
             <a:fld id="{DEA2229F-D951-4A8F-BA2A-3B6A0B3F46E2}" type="datetimeFigureOut">
               <a:rPr lang="en-US" smtClean="0"/>
-              <a:t>6/25/2022</a:t>
+              <a:t>7/17/2022</a:t>
             </a:fld>
             <a:endParaRPr lang="en-US"/>
           </a:p>
@@ -2593,7 +2593,7 @@
           <a:p>
             <a:fld id="{DEA2229F-D951-4A8F-BA2A-3B6A0B3F46E2}" type="datetimeFigureOut">
               <a:rPr lang="en-US" smtClean="0"/>
-              <a:t>6/25/2022</a:t>
+              <a:t>7/17/2022</a:t>
             </a:fld>
             <a:endParaRPr lang="en-US"/>
           </a:p>
@@ -2688,7 +2688,7 @@
           <a:p>
             <a:fld id="{DEA2229F-D951-4A8F-BA2A-3B6A0B3F46E2}" type="datetimeFigureOut">
               <a:rPr lang="en-US" smtClean="0"/>
-              <a:t>6/25/2022</a:t>
+              <a:t>7/17/2022</a:t>
             </a:fld>
             <a:endParaRPr lang="en-US"/>
           </a:p>
@@ -2963,7 +2963,7 @@
           <a:p>
             <a:fld id="{DEA2229F-D951-4A8F-BA2A-3B6A0B3F46E2}" type="datetimeFigureOut">
               <a:rPr lang="en-US" smtClean="0"/>
-              <a:t>6/25/2022</a:t>
+              <a:t>7/17/2022</a:t>
             </a:fld>
             <a:endParaRPr lang="en-US"/>
           </a:p>
@@ -3215,7 +3215,7 @@
           <a:p>
             <a:fld id="{DEA2229F-D951-4A8F-BA2A-3B6A0B3F46E2}" type="datetimeFigureOut">
               <a:rPr lang="en-US" smtClean="0"/>
-              <a:t>6/25/2022</a:t>
+              <a:t>7/17/2022</a:t>
             </a:fld>
             <a:endParaRPr lang="en-US"/>
           </a:p>
@@ -3426,7 +3426,7 @@
           <a:p>
             <a:fld id="{DEA2229F-D951-4A8F-BA2A-3B6A0B3F46E2}" type="datetimeFigureOut">
               <a:rPr lang="en-US" smtClean="0"/>
-              <a:t>6/25/2022</a:t>
+              <a:t>7/17/2022</a:t>
             </a:fld>
             <a:endParaRPr lang="en-US"/>
           </a:p>
@@ -3907,8 +3907,12 @@
           <a:lstStyle/>
           <a:p>
             <a:r>
+              <a:rPr lang="en-US"/>
+              <a:t>July 19th</a:t>
+            </a:r>
+            <a:r>
               <a:rPr lang="en-US" dirty="0"/>
-              <a:t>June 28th, 2022</a:t>
+              <a:t>, 2022</a:t>
             </a:r>
           </a:p>
         </p:txBody>

--- a/SMART on FHIR Primer.pptx
+++ b/SMART on FHIR Primer.pptx
@@ -242,7 +242,7 @@
           <a:p>
             <a:fld id="{4031681A-4B84-4DE8-A5EF-A885124D351C}" type="datetimeFigureOut">
               <a:rPr lang="en-US" smtClean="0"/>
-              <a:t>7/17/2022</a:t>
+              <a:t>7/24/2022</a:t>
             </a:fld>
             <a:endParaRPr lang="en-US"/>
           </a:p>
@@ -836,7 +836,7 @@
           <a:p>
             <a:fld id="{DEA2229F-D951-4A8F-BA2A-3B6A0B3F46E2}" type="datetimeFigureOut">
               <a:rPr lang="en-US" smtClean="0"/>
-              <a:t>7/17/2022</a:t>
+              <a:t>7/24/2022</a:t>
             </a:fld>
             <a:endParaRPr lang="en-US"/>
           </a:p>
@@ -1004,7 +1004,7 @@
           <a:p>
             <a:fld id="{DEA2229F-D951-4A8F-BA2A-3B6A0B3F46E2}" type="datetimeFigureOut">
               <a:rPr lang="en-US" smtClean="0"/>
-              <a:t>7/17/2022</a:t>
+              <a:t>7/24/2022</a:t>
             </a:fld>
             <a:endParaRPr lang="en-US"/>
           </a:p>
@@ -1182,7 +1182,7 @@
           <a:p>
             <a:fld id="{DEA2229F-D951-4A8F-BA2A-3B6A0B3F46E2}" type="datetimeFigureOut">
               <a:rPr lang="en-US" smtClean="0"/>
-              <a:t>7/17/2022</a:t>
+              <a:t>7/24/2022</a:t>
             </a:fld>
             <a:endParaRPr lang="en-US"/>
           </a:p>
@@ -1638,7 +1638,7 @@
           <a:p>
             <a:fld id="{DEA2229F-D951-4A8F-BA2A-3B6A0B3F46E2}" type="datetimeFigureOut">
               <a:rPr lang="en-US" smtClean="0"/>
-              <a:t>7/17/2022</a:t>
+              <a:t>7/24/2022</a:t>
             </a:fld>
             <a:endParaRPr lang="en-US"/>
           </a:p>
@@ -1883,7 +1883,7 @@
           <a:p>
             <a:fld id="{DEA2229F-D951-4A8F-BA2A-3B6A0B3F46E2}" type="datetimeFigureOut">
               <a:rPr lang="en-US" smtClean="0"/>
-              <a:t>7/17/2022</a:t>
+              <a:t>7/24/2022</a:t>
             </a:fld>
             <a:endParaRPr lang="en-US"/>
           </a:p>
@@ -2112,7 +2112,7 @@
           <a:p>
             <a:fld id="{DEA2229F-D951-4A8F-BA2A-3B6A0B3F46E2}" type="datetimeFigureOut">
               <a:rPr lang="en-US" smtClean="0"/>
-              <a:t>7/17/2022</a:t>
+              <a:t>7/24/2022</a:t>
             </a:fld>
             <a:endParaRPr lang="en-US"/>
           </a:p>
@@ -2476,7 +2476,7 @@
           <a:p>
             <a:fld id="{DEA2229F-D951-4A8F-BA2A-3B6A0B3F46E2}" type="datetimeFigureOut">
               <a:rPr lang="en-US" smtClean="0"/>
-              <a:t>7/17/2022</a:t>
+              <a:t>7/24/2022</a:t>
             </a:fld>
             <a:endParaRPr lang="en-US"/>
           </a:p>
@@ -2593,7 +2593,7 @@
           <a:p>
             <a:fld id="{DEA2229F-D951-4A8F-BA2A-3B6A0B3F46E2}" type="datetimeFigureOut">
               <a:rPr lang="en-US" smtClean="0"/>
-              <a:t>7/17/2022</a:t>
+              <a:t>7/24/2022</a:t>
             </a:fld>
             <a:endParaRPr lang="en-US"/>
           </a:p>
@@ -2688,7 +2688,7 @@
           <a:p>
             <a:fld id="{DEA2229F-D951-4A8F-BA2A-3B6A0B3F46E2}" type="datetimeFigureOut">
               <a:rPr lang="en-US" smtClean="0"/>
-              <a:t>7/17/2022</a:t>
+              <a:t>7/24/2022</a:t>
             </a:fld>
             <a:endParaRPr lang="en-US"/>
           </a:p>
@@ -2963,7 +2963,7 @@
           <a:p>
             <a:fld id="{DEA2229F-D951-4A8F-BA2A-3B6A0B3F46E2}" type="datetimeFigureOut">
               <a:rPr lang="en-US" smtClean="0"/>
-              <a:t>7/17/2022</a:t>
+              <a:t>7/24/2022</a:t>
             </a:fld>
             <a:endParaRPr lang="en-US"/>
           </a:p>
@@ -3215,7 +3215,7 @@
           <a:p>
             <a:fld id="{DEA2229F-D951-4A8F-BA2A-3B6A0B3F46E2}" type="datetimeFigureOut">
               <a:rPr lang="en-US" smtClean="0"/>
-              <a:t>7/17/2022</a:t>
+              <a:t>7/24/2022</a:t>
             </a:fld>
             <a:endParaRPr lang="en-US"/>
           </a:p>
@@ -3426,7 +3426,7 @@
           <a:p>
             <a:fld id="{DEA2229F-D951-4A8F-BA2A-3B6A0B3F46E2}" type="datetimeFigureOut">
               <a:rPr lang="en-US" smtClean="0"/>
-              <a:t>7/17/2022</a:t>
+              <a:t>7/24/2022</a:t>
             </a:fld>
             <a:endParaRPr lang="en-US"/>
           </a:p>
@@ -3908,7 +3908,7 @@
           <a:p>
             <a:r>
               <a:rPr lang="en-US"/>
-              <a:t>July 19th</a:t>
+              <a:t>July 26th</a:t>
             </a:r>
             <a:r>
               <a:rPr lang="en-US" dirty="0"/>

--- a/SMART on FHIR Primer.pptx
+++ b/SMART on FHIR Primer.pptx
@@ -242,7 +242,7 @@
           <a:p>
             <a:fld id="{4031681A-4B84-4DE8-A5EF-A885124D351C}" type="datetimeFigureOut">
               <a:rPr lang="en-US" smtClean="0"/>
-              <a:t>7/24/2022</a:t>
+              <a:t>8/28/2022</a:t>
             </a:fld>
             <a:endParaRPr lang="en-US"/>
           </a:p>
@@ -836,7 +836,7 @@
           <a:p>
             <a:fld id="{DEA2229F-D951-4A8F-BA2A-3B6A0B3F46E2}" type="datetimeFigureOut">
               <a:rPr lang="en-US" smtClean="0"/>
-              <a:t>7/24/2022</a:t>
+              <a:t>8/28/2022</a:t>
             </a:fld>
             <a:endParaRPr lang="en-US"/>
           </a:p>
@@ -1004,7 +1004,7 @@
           <a:p>
             <a:fld id="{DEA2229F-D951-4A8F-BA2A-3B6A0B3F46E2}" type="datetimeFigureOut">
               <a:rPr lang="en-US" smtClean="0"/>
-              <a:t>7/24/2022</a:t>
+              <a:t>8/28/2022</a:t>
             </a:fld>
             <a:endParaRPr lang="en-US"/>
           </a:p>
@@ -1182,7 +1182,7 @@
           <a:p>
             <a:fld id="{DEA2229F-D951-4A8F-BA2A-3B6A0B3F46E2}" type="datetimeFigureOut">
               <a:rPr lang="en-US" smtClean="0"/>
-              <a:t>7/24/2022</a:t>
+              <a:t>8/28/2022</a:t>
             </a:fld>
             <a:endParaRPr lang="en-US"/>
           </a:p>
@@ -1638,7 +1638,7 @@
           <a:p>
             <a:fld id="{DEA2229F-D951-4A8F-BA2A-3B6A0B3F46E2}" type="datetimeFigureOut">
               <a:rPr lang="en-US" smtClean="0"/>
-              <a:t>7/24/2022</a:t>
+              <a:t>8/28/2022</a:t>
             </a:fld>
             <a:endParaRPr lang="en-US"/>
           </a:p>
@@ -1883,7 +1883,7 @@
           <a:p>
             <a:fld id="{DEA2229F-D951-4A8F-BA2A-3B6A0B3F46E2}" type="datetimeFigureOut">
               <a:rPr lang="en-US" smtClean="0"/>
-              <a:t>7/24/2022</a:t>
+              <a:t>8/28/2022</a:t>
             </a:fld>
             <a:endParaRPr lang="en-US"/>
           </a:p>
@@ -2112,7 +2112,7 @@
           <a:p>
             <a:fld id="{DEA2229F-D951-4A8F-BA2A-3B6A0B3F46E2}" type="datetimeFigureOut">
               <a:rPr lang="en-US" smtClean="0"/>
-              <a:t>7/24/2022</a:t>
+              <a:t>8/28/2022</a:t>
             </a:fld>
             <a:endParaRPr lang="en-US"/>
           </a:p>
@@ -2476,7 +2476,7 @@
           <a:p>
             <a:fld id="{DEA2229F-D951-4A8F-BA2A-3B6A0B3F46E2}" type="datetimeFigureOut">
               <a:rPr lang="en-US" smtClean="0"/>
-              <a:t>7/24/2022</a:t>
+              <a:t>8/28/2022</a:t>
             </a:fld>
             <a:endParaRPr lang="en-US"/>
           </a:p>
@@ -2593,7 +2593,7 @@
           <a:p>
             <a:fld id="{DEA2229F-D951-4A8F-BA2A-3B6A0B3F46E2}" type="datetimeFigureOut">
               <a:rPr lang="en-US" smtClean="0"/>
-              <a:t>7/24/2022</a:t>
+              <a:t>8/28/2022</a:t>
             </a:fld>
             <a:endParaRPr lang="en-US"/>
           </a:p>
@@ -2688,7 +2688,7 @@
           <a:p>
             <a:fld id="{DEA2229F-D951-4A8F-BA2A-3B6A0B3F46E2}" type="datetimeFigureOut">
               <a:rPr lang="en-US" smtClean="0"/>
-              <a:t>7/24/2022</a:t>
+              <a:t>8/28/2022</a:t>
             </a:fld>
             <a:endParaRPr lang="en-US"/>
           </a:p>
@@ -2963,7 +2963,7 @@
           <a:p>
             <a:fld id="{DEA2229F-D951-4A8F-BA2A-3B6A0B3F46E2}" type="datetimeFigureOut">
               <a:rPr lang="en-US" smtClean="0"/>
-              <a:t>7/24/2022</a:t>
+              <a:t>8/28/2022</a:t>
             </a:fld>
             <a:endParaRPr lang="en-US"/>
           </a:p>
@@ -3215,7 +3215,7 @@
           <a:p>
             <a:fld id="{DEA2229F-D951-4A8F-BA2A-3B6A0B3F46E2}" type="datetimeFigureOut">
               <a:rPr lang="en-US" smtClean="0"/>
-              <a:t>7/24/2022</a:t>
+              <a:t>8/28/2022</a:t>
             </a:fld>
             <a:endParaRPr lang="en-US"/>
           </a:p>
@@ -3426,7 +3426,7 @@
           <a:p>
             <a:fld id="{DEA2229F-D951-4A8F-BA2A-3B6A0B3F46E2}" type="datetimeFigureOut">
               <a:rPr lang="en-US" smtClean="0"/>
-              <a:t>7/24/2022</a:t>
+              <a:t>8/28/2022</a:t>
             </a:fld>
             <a:endParaRPr lang="en-US"/>
           </a:p>
@@ -3907,12 +3907,8 @@
           <a:lstStyle/>
           <a:p>
             <a:r>
-              <a:rPr lang="en-US"/>
-              <a:t>July 26th</a:t>
-            </a:r>
-            <a:r>
               <a:rPr lang="en-US" dirty="0"/>
-              <a:t>, 2022</a:t>
+              <a:t>August 30th, 2022</a:t>
             </a:r>
           </a:p>
         </p:txBody>

--- a/SMART on FHIR Primer.pptx
+++ b/SMART on FHIR Primer.pptx
@@ -242,7 +242,7 @@
           <a:p>
             <a:fld id="{4031681A-4B84-4DE8-A5EF-A885124D351C}" type="datetimeFigureOut">
               <a:rPr lang="en-US" smtClean="0"/>
-              <a:t>8/28/2022</a:t>
+              <a:t>9/11/2022</a:t>
             </a:fld>
             <a:endParaRPr lang="en-US"/>
           </a:p>
@@ -836,7 +836,7 @@
           <a:p>
             <a:fld id="{DEA2229F-D951-4A8F-BA2A-3B6A0B3F46E2}" type="datetimeFigureOut">
               <a:rPr lang="en-US" smtClean="0"/>
-              <a:t>8/28/2022</a:t>
+              <a:t>9/11/2022</a:t>
             </a:fld>
             <a:endParaRPr lang="en-US"/>
           </a:p>
@@ -1004,7 +1004,7 @@
           <a:p>
             <a:fld id="{DEA2229F-D951-4A8F-BA2A-3B6A0B3F46E2}" type="datetimeFigureOut">
               <a:rPr lang="en-US" smtClean="0"/>
-              <a:t>8/28/2022</a:t>
+              <a:t>9/11/2022</a:t>
             </a:fld>
             <a:endParaRPr lang="en-US"/>
           </a:p>
@@ -1182,7 +1182,7 @@
           <a:p>
             <a:fld id="{DEA2229F-D951-4A8F-BA2A-3B6A0B3F46E2}" type="datetimeFigureOut">
               <a:rPr lang="en-US" smtClean="0"/>
-              <a:t>8/28/2022</a:t>
+              <a:t>9/11/2022</a:t>
             </a:fld>
             <a:endParaRPr lang="en-US"/>
           </a:p>
@@ -1638,7 +1638,7 @@
           <a:p>
             <a:fld id="{DEA2229F-D951-4A8F-BA2A-3B6A0B3F46E2}" type="datetimeFigureOut">
               <a:rPr lang="en-US" smtClean="0"/>
-              <a:t>8/28/2022</a:t>
+              <a:t>9/11/2022</a:t>
             </a:fld>
             <a:endParaRPr lang="en-US"/>
           </a:p>
@@ -1883,7 +1883,7 @@
           <a:p>
             <a:fld id="{DEA2229F-D951-4A8F-BA2A-3B6A0B3F46E2}" type="datetimeFigureOut">
               <a:rPr lang="en-US" smtClean="0"/>
-              <a:t>8/28/2022</a:t>
+              <a:t>9/11/2022</a:t>
             </a:fld>
             <a:endParaRPr lang="en-US"/>
           </a:p>
@@ -2112,7 +2112,7 @@
           <a:p>
             <a:fld id="{DEA2229F-D951-4A8F-BA2A-3B6A0B3F46E2}" type="datetimeFigureOut">
               <a:rPr lang="en-US" smtClean="0"/>
-              <a:t>8/28/2022</a:t>
+              <a:t>9/11/2022</a:t>
             </a:fld>
             <a:endParaRPr lang="en-US"/>
           </a:p>
@@ -2476,7 +2476,7 @@
           <a:p>
             <a:fld id="{DEA2229F-D951-4A8F-BA2A-3B6A0B3F46E2}" type="datetimeFigureOut">
               <a:rPr lang="en-US" smtClean="0"/>
-              <a:t>8/28/2022</a:t>
+              <a:t>9/11/2022</a:t>
             </a:fld>
             <a:endParaRPr lang="en-US"/>
           </a:p>
@@ -2593,7 +2593,7 @@
           <a:p>
             <a:fld id="{DEA2229F-D951-4A8F-BA2A-3B6A0B3F46E2}" type="datetimeFigureOut">
               <a:rPr lang="en-US" smtClean="0"/>
-              <a:t>8/28/2022</a:t>
+              <a:t>9/11/2022</a:t>
             </a:fld>
             <a:endParaRPr lang="en-US"/>
           </a:p>
@@ -2688,7 +2688,7 @@
           <a:p>
             <a:fld id="{DEA2229F-D951-4A8F-BA2A-3B6A0B3F46E2}" type="datetimeFigureOut">
               <a:rPr lang="en-US" smtClean="0"/>
-              <a:t>8/28/2022</a:t>
+              <a:t>9/11/2022</a:t>
             </a:fld>
             <a:endParaRPr lang="en-US"/>
           </a:p>
@@ -2963,7 +2963,7 @@
           <a:p>
             <a:fld id="{DEA2229F-D951-4A8F-BA2A-3B6A0B3F46E2}" type="datetimeFigureOut">
               <a:rPr lang="en-US" smtClean="0"/>
-              <a:t>8/28/2022</a:t>
+              <a:t>9/11/2022</a:t>
             </a:fld>
             <a:endParaRPr lang="en-US"/>
           </a:p>
@@ -3215,7 +3215,7 @@
           <a:p>
             <a:fld id="{DEA2229F-D951-4A8F-BA2A-3B6A0B3F46E2}" type="datetimeFigureOut">
               <a:rPr lang="en-US" smtClean="0"/>
-              <a:t>8/28/2022</a:t>
+              <a:t>9/11/2022</a:t>
             </a:fld>
             <a:endParaRPr lang="en-US"/>
           </a:p>
@@ -3426,7 +3426,7 @@
           <a:p>
             <a:fld id="{DEA2229F-D951-4A8F-BA2A-3B6A0B3F46E2}" type="datetimeFigureOut">
               <a:rPr lang="en-US" smtClean="0"/>
-              <a:t>8/28/2022</a:t>
+              <a:t>9/11/2022</a:t>
             </a:fld>
             <a:endParaRPr lang="en-US"/>
           </a:p>
@@ -3908,7 +3908,7 @@
           <a:p>
             <a:r>
               <a:rPr lang="en-US" dirty="0"/>
-              <a:t>August 30th, 2022</a:t>
+              <a:t>September 13th, 2022</a:t>
             </a:r>
           </a:p>
         </p:txBody>
@@ -3937,6 +3937,36 @@
           <a:xfrm>
             <a:off x="2952750" y="2457664"/>
             <a:ext cx="6286503" cy="2123999"/>
+          </a:xfrm>
+          <a:prstGeom prst="rect">
+            <a:avLst/>
+          </a:prstGeom>
+        </p:spPr>
+      </p:pic>
+      <p:pic>
+        <p:nvPicPr>
+          <p:cNvPr id="6" name="Picture 5">
+            <a:extLst>
+              <a:ext uri="{FF2B5EF4-FFF2-40B4-BE49-F238E27FC236}">
+                <a16:creationId xmlns:a16="http://schemas.microsoft.com/office/drawing/2014/main" id="{1EBA5913-AA98-AC15-08E8-B5B0A626FB66}"/>
+              </a:ext>
+            </a:extLst>
+          </p:cNvPr>
+          <p:cNvPicPr>
+            <a:picLocks noChangeAspect="1"/>
+          </p:cNvPicPr>
+          <p:nvPr/>
+        </p:nvPicPr>
+        <p:blipFill>
+          <a:blip r:embed="rId4"/>
+          <a:stretch>
+            <a:fillRect/>
+          </a:stretch>
+        </p:blipFill>
+        <p:spPr>
+          <a:xfrm>
+            <a:off x="4120428" y="3987334"/>
+            <a:ext cx="2353003" cy="514422"/>
           </a:xfrm>
           <a:prstGeom prst="rect">
             <a:avLst/>

--- a/SMART on FHIR Primer.pptx
+++ b/SMART on FHIR Primer.pptx
@@ -151,6 +151,35 @@
 </p:cmAuthorLst>
 </file>
 
+<file path=ppt/changesInfos/changesInfo1.xml><?xml version="1.0" encoding="utf-8"?>
+<pc:chgInfo xmlns:a="http://schemas.openxmlformats.org/drawingml/2006/main" xmlns:r="http://schemas.openxmlformats.org/officeDocument/2006/relationships" xmlns:ac="http://schemas.microsoft.com/office/drawing/2013/main/command" xmlns:pc="http://schemas.microsoft.com/office/powerpoint/2013/main/command">
+  <pc:docChgLst>
+    <pc:chgData name="Heits, Brian" userId="4566fefd-61b7-4c5a-b683-1c8fdafc2832" providerId="ADAL" clId="{EBB2509E-9158-48F4-B08F-3B146EDA1E91}"/>
+    <pc:docChg chg="modSld">
+      <pc:chgData name="Heits, Brian" userId="4566fefd-61b7-4c5a-b683-1c8fdafc2832" providerId="ADAL" clId="{EBB2509E-9158-48F4-B08F-3B146EDA1E91}" dt="2023-02-05T18:42:03.183" v="23" actId="20577"/>
+      <pc:docMkLst>
+        <pc:docMk/>
+      </pc:docMkLst>
+      <pc:sldChg chg="modSp mod">
+        <pc:chgData name="Heits, Brian" userId="4566fefd-61b7-4c5a-b683-1c8fdafc2832" providerId="ADAL" clId="{EBB2509E-9158-48F4-B08F-3B146EDA1E91}" dt="2023-02-05T18:42:03.183" v="23" actId="20577"/>
+        <pc:sldMkLst>
+          <pc:docMk/>
+          <pc:sldMk cId="579498076" sldId="317"/>
+        </pc:sldMkLst>
+        <pc:spChg chg="mod">
+          <ac:chgData name="Heits, Brian" userId="4566fefd-61b7-4c5a-b683-1c8fdafc2832" providerId="ADAL" clId="{EBB2509E-9158-48F4-B08F-3B146EDA1E91}" dt="2023-02-05T18:42:03.183" v="23" actId="20577"/>
+          <ac:spMkLst>
+            <pc:docMk/>
+            <pc:sldMk cId="579498076" sldId="317"/>
+            <ac:spMk id="4" creationId="{00000000-0000-0000-0000-000000000000}"/>
+          </ac:spMkLst>
+        </pc:spChg>
+      </pc:sldChg>
+    </pc:docChg>
+  </pc:docChgLst>
+</pc:chgInfo>
+</file>
+
 <file path=ppt/comments/comment1.xml><?xml version="1.0" encoding="utf-8"?>
 <p:cmLst xmlns:a="http://schemas.openxmlformats.org/drawingml/2006/main" xmlns:r="http://schemas.openxmlformats.org/officeDocument/2006/relationships" xmlns:p="http://schemas.openxmlformats.org/presentationml/2006/main">
   <p:cm authorId="1" dt="2014-08-25T11:42:53.754" idx="2">
@@ -242,7 +271,7 @@
           <a:p>
             <a:fld id="{4031681A-4B84-4DE8-A5EF-A885124D351C}" type="datetimeFigureOut">
               <a:rPr lang="en-US" smtClean="0"/>
-              <a:t>9/11/2022</a:t>
+              <a:t>2/5/2023</a:t>
             </a:fld>
             <a:endParaRPr lang="en-US"/>
           </a:p>
@@ -836,7 +865,7 @@
           <a:p>
             <a:fld id="{DEA2229F-D951-4A8F-BA2A-3B6A0B3F46E2}" type="datetimeFigureOut">
               <a:rPr lang="en-US" smtClean="0"/>
-              <a:t>9/11/2022</a:t>
+              <a:t>2/5/2023</a:t>
             </a:fld>
             <a:endParaRPr lang="en-US"/>
           </a:p>
@@ -1004,7 +1033,7 @@
           <a:p>
             <a:fld id="{DEA2229F-D951-4A8F-BA2A-3B6A0B3F46E2}" type="datetimeFigureOut">
               <a:rPr lang="en-US" smtClean="0"/>
-              <a:t>9/11/2022</a:t>
+              <a:t>2/5/2023</a:t>
             </a:fld>
             <a:endParaRPr lang="en-US"/>
           </a:p>
@@ -1182,7 +1211,7 @@
           <a:p>
             <a:fld id="{DEA2229F-D951-4A8F-BA2A-3B6A0B3F46E2}" type="datetimeFigureOut">
               <a:rPr lang="en-US" smtClean="0"/>
-              <a:t>9/11/2022</a:t>
+              <a:t>2/5/2023</a:t>
             </a:fld>
             <a:endParaRPr lang="en-US"/>
           </a:p>
@@ -1638,7 +1667,7 @@
           <a:p>
             <a:fld id="{DEA2229F-D951-4A8F-BA2A-3B6A0B3F46E2}" type="datetimeFigureOut">
               <a:rPr lang="en-US" smtClean="0"/>
-              <a:t>9/11/2022</a:t>
+              <a:t>2/5/2023</a:t>
             </a:fld>
             <a:endParaRPr lang="en-US"/>
           </a:p>
@@ -1883,7 +1912,7 @@
           <a:p>
             <a:fld id="{DEA2229F-D951-4A8F-BA2A-3B6A0B3F46E2}" type="datetimeFigureOut">
               <a:rPr lang="en-US" smtClean="0"/>
-              <a:t>9/11/2022</a:t>
+              <a:t>2/5/2023</a:t>
             </a:fld>
             <a:endParaRPr lang="en-US"/>
           </a:p>
@@ -2112,7 +2141,7 @@
           <a:p>
             <a:fld id="{DEA2229F-D951-4A8F-BA2A-3B6A0B3F46E2}" type="datetimeFigureOut">
               <a:rPr lang="en-US" smtClean="0"/>
-              <a:t>9/11/2022</a:t>
+              <a:t>2/5/2023</a:t>
             </a:fld>
             <a:endParaRPr lang="en-US"/>
           </a:p>
@@ -2476,7 +2505,7 @@
           <a:p>
             <a:fld id="{DEA2229F-D951-4A8F-BA2A-3B6A0B3F46E2}" type="datetimeFigureOut">
               <a:rPr lang="en-US" smtClean="0"/>
-              <a:t>9/11/2022</a:t>
+              <a:t>2/5/2023</a:t>
             </a:fld>
             <a:endParaRPr lang="en-US"/>
           </a:p>
@@ -2593,7 +2622,7 @@
           <a:p>
             <a:fld id="{DEA2229F-D951-4A8F-BA2A-3B6A0B3F46E2}" type="datetimeFigureOut">
               <a:rPr lang="en-US" smtClean="0"/>
-              <a:t>9/11/2022</a:t>
+              <a:t>2/5/2023</a:t>
             </a:fld>
             <a:endParaRPr lang="en-US"/>
           </a:p>
@@ -2688,7 +2717,7 @@
           <a:p>
             <a:fld id="{DEA2229F-D951-4A8F-BA2A-3B6A0B3F46E2}" type="datetimeFigureOut">
               <a:rPr lang="en-US" smtClean="0"/>
-              <a:t>9/11/2022</a:t>
+              <a:t>2/5/2023</a:t>
             </a:fld>
             <a:endParaRPr lang="en-US"/>
           </a:p>
@@ -2963,7 +2992,7 @@
           <a:p>
             <a:fld id="{DEA2229F-D951-4A8F-BA2A-3B6A0B3F46E2}" type="datetimeFigureOut">
               <a:rPr lang="en-US" smtClean="0"/>
-              <a:t>9/11/2022</a:t>
+              <a:t>2/5/2023</a:t>
             </a:fld>
             <a:endParaRPr lang="en-US"/>
           </a:p>
@@ -3215,7 +3244,7 @@
           <a:p>
             <a:fld id="{DEA2229F-D951-4A8F-BA2A-3B6A0B3F46E2}" type="datetimeFigureOut">
               <a:rPr lang="en-US" smtClean="0"/>
-              <a:t>9/11/2022</a:t>
+              <a:t>2/5/2023</a:t>
             </a:fld>
             <a:endParaRPr lang="en-US"/>
           </a:p>
@@ -3426,7 +3455,7 @@
           <a:p>
             <a:fld id="{DEA2229F-D951-4A8F-BA2A-3B6A0B3F46E2}" type="datetimeFigureOut">
               <a:rPr lang="en-US" smtClean="0"/>
-              <a:t>9/11/2022</a:t>
+              <a:t>2/5/2023</a:t>
             </a:fld>
             <a:endParaRPr lang="en-US"/>
           </a:p>
@@ -3907,8 +3936,12 @@
           <a:lstStyle/>
           <a:p>
             <a:r>
+              <a:rPr lang="en-US"/>
+              <a:t>February 7th</a:t>
+            </a:r>
+            <a:r>
               <a:rPr lang="en-US" dirty="0"/>
-              <a:t>September 13th, 2022</a:t>
+              <a:t>, 2023</a:t>
             </a:r>
           </a:p>
         </p:txBody>
@@ -7293,4 +7326,10 @@
     </a:ext>
   </a:extLst>
 </a:theme>
+</file>
+
+<file path=docMetadata/LabelInfo.xml><?xml version="1.0" encoding="utf-8"?>
+<clbl:labelList xmlns:clbl="http://schemas.microsoft.com/office/2020/mipLabelMetadata">
+  <clbl:label id="{b1851626-05c4-426e-b768-1c35733f6fea}" enabled="1" method="Standard" siteId="{fbc493a8-0d24-4454-a815-f4ca58e8c09d}" removed="0"/>
+</clbl:labelList>
 </file>
--- a/SMART on FHIR Primer.pptx
+++ b/SMART on FHIR Primer.pptx
@@ -177,6 +177,30 @@
       </pc:sldChg>
     </pc:docChg>
   </pc:docChgLst>
+  <pc:docChgLst>
+    <pc:chgData name="Heits, Brian" userId="4566fefd-61b7-4c5a-b683-1c8fdafc2832" providerId="ADAL" clId="{F0E377DA-DFD7-4F13-941F-429FCB9CC344}"/>
+    <pc:docChg chg="modSld">
+      <pc:chgData name="Heits, Brian" userId="4566fefd-61b7-4c5a-b683-1c8fdafc2832" providerId="ADAL" clId="{F0E377DA-DFD7-4F13-941F-429FCB9CC344}" dt="2023-03-19T21:53:08.423" v="13" actId="20577"/>
+      <pc:docMkLst>
+        <pc:docMk/>
+      </pc:docMkLst>
+      <pc:sldChg chg="modSp mod">
+        <pc:chgData name="Heits, Brian" userId="4566fefd-61b7-4c5a-b683-1c8fdafc2832" providerId="ADAL" clId="{F0E377DA-DFD7-4F13-941F-429FCB9CC344}" dt="2023-03-19T21:53:08.423" v="13" actId="20577"/>
+        <pc:sldMkLst>
+          <pc:docMk/>
+          <pc:sldMk cId="579498076" sldId="317"/>
+        </pc:sldMkLst>
+        <pc:spChg chg="mod">
+          <ac:chgData name="Heits, Brian" userId="4566fefd-61b7-4c5a-b683-1c8fdafc2832" providerId="ADAL" clId="{F0E377DA-DFD7-4F13-941F-429FCB9CC344}" dt="2023-03-19T21:53:08.423" v="13" actId="20577"/>
+          <ac:spMkLst>
+            <pc:docMk/>
+            <pc:sldMk cId="579498076" sldId="317"/>
+            <ac:spMk id="4" creationId="{00000000-0000-0000-0000-000000000000}"/>
+          </ac:spMkLst>
+        </pc:spChg>
+      </pc:sldChg>
+    </pc:docChg>
+  </pc:docChgLst>
 </pc:chgInfo>
 </file>
 
@@ -271,7 +295,7 @@
           <a:p>
             <a:fld id="{4031681A-4B84-4DE8-A5EF-A885124D351C}" type="datetimeFigureOut">
               <a:rPr lang="en-US" smtClean="0"/>
-              <a:t>2/5/2023</a:t>
+              <a:t>3/19/2023</a:t>
             </a:fld>
             <a:endParaRPr lang="en-US"/>
           </a:p>
@@ -865,7 +889,7 @@
           <a:p>
             <a:fld id="{DEA2229F-D951-4A8F-BA2A-3B6A0B3F46E2}" type="datetimeFigureOut">
               <a:rPr lang="en-US" smtClean="0"/>
-              <a:t>2/5/2023</a:t>
+              <a:t>3/19/2023</a:t>
             </a:fld>
             <a:endParaRPr lang="en-US"/>
           </a:p>
@@ -1033,7 +1057,7 @@
           <a:p>
             <a:fld id="{DEA2229F-D951-4A8F-BA2A-3B6A0B3F46E2}" type="datetimeFigureOut">
               <a:rPr lang="en-US" smtClean="0"/>
-              <a:t>2/5/2023</a:t>
+              <a:t>3/19/2023</a:t>
             </a:fld>
             <a:endParaRPr lang="en-US"/>
           </a:p>
@@ -1211,7 +1235,7 @@
           <a:p>
             <a:fld id="{DEA2229F-D951-4A8F-BA2A-3B6A0B3F46E2}" type="datetimeFigureOut">
               <a:rPr lang="en-US" smtClean="0"/>
-              <a:t>2/5/2023</a:t>
+              <a:t>3/19/2023</a:t>
             </a:fld>
             <a:endParaRPr lang="en-US"/>
           </a:p>
@@ -1667,7 +1691,7 @@
           <a:p>
             <a:fld id="{DEA2229F-D951-4A8F-BA2A-3B6A0B3F46E2}" type="datetimeFigureOut">
               <a:rPr lang="en-US" smtClean="0"/>
-              <a:t>2/5/2023</a:t>
+              <a:t>3/19/2023</a:t>
             </a:fld>
             <a:endParaRPr lang="en-US"/>
           </a:p>
@@ -1912,7 +1936,7 @@
           <a:p>
             <a:fld id="{DEA2229F-D951-4A8F-BA2A-3B6A0B3F46E2}" type="datetimeFigureOut">
               <a:rPr lang="en-US" smtClean="0"/>
-              <a:t>2/5/2023</a:t>
+              <a:t>3/19/2023</a:t>
             </a:fld>
             <a:endParaRPr lang="en-US"/>
           </a:p>
@@ -2141,7 +2165,7 @@
           <a:p>
             <a:fld id="{DEA2229F-D951-4A8F-BA2A-3B6A0B3F46E2}" type="datetimeFigureOut">
               <a:rPr lang="en-US" smtClean="0"/>
-              <a:t>2/5/2023</a:t>
+              <a:t>3/19/2023</a:t>
             </a:fld>
             <a:endParaRPr lang="en-US"/>
           </a:p>
@@ -2505,7 +2529,7 @@
           <a:p>
             <a:fld id="{DEA2229F-D951-4A8F-BA2A-3B6A0B3F46E2}" type="datetimeFigureOut">
               <a:rPr lang="en-US" smtClean="0"/>
-              <a:t>2/5/2023</a:t>
+              <a:t>3/19/2023</a:t>
             </a:fld>
             <a:endParaRPr lang="en-US"/>
           </a:p>
@@ -2622,7 +2646,7 @@
           <a:p>
             <a:fld id="{DEA2229F-D951-4A8F-BA2A-3B6A0B3F46E2}" type="datetimeFigureOut">
               <a:rPr lang="en-US" smtClean="0"/>
-              <a:t>2/5/2023</a:t>
+              <a:t>3/19/2023</a:t>
             </a:fld>
             <a:endParaRPr lang="en-US"/>
           </a:p>
@@ -2717,7 +2741,7 @@
           <a:p>
             <a:fld id="{DEA2229F-D951-4A8F-BA2A-3B6A0B3F46E2}" type="datetimeFigureOut">
               <a:rPr lang="en-US" smtClean="0"/>
-              <a:t>2/5/2023</a:t>
+              <a:t>3/19/2023</a:t>
             </a:fld>
             <a:endParaRPr lang="en-US"/>
           </a:p>
@@ -2992,7 +3016,7 @@
           <a:p>
             <a:fld id="{DEA2229F-D951-4A8F-BA2A-3B6A0B3F46E2}" type="datetimeFigureOut">
               <a:rPr lang="en-US" smtClean="0"/>
-              <a:t>2/5/2023</a:t>
+              <a:t>3/19/2023</a:t>
             </a:fld>
             <a:endParaRPr lang="en-US"/>
           </a:p>
@@ -3244,7 +3268,7 @@
           <a:p>
             <a:fld id="{DEA2229F-D951-4A8F-BA2A-3B6A0B3F46E2}" type="datetimeFigureOut">
               <a:rPr lang="en-US" smtClean="0"/>
-              <a:t>2/5/2023</a:t>
+              <a:t>3/19/2023</a:t>
             </a:fld>
             <a:endParaRPr lang="en-US"/>
           </a:p>
@@ -3455,7 +3479,7 @@
           <a:p>
             <a:fld id="{DEA2229F-D951-4A8F-BA2A-3B6A0B3F46E2}" type="datetimeFigureOut">
               <a:rPr lang="en-US" smtClean="0"/>
-              <a:t>2/5/2023</a:t>
+              <a:t>3/19/2023</a:t>
             </a:fld>
             <a:endParaRPr lang="en-US"/>
           </a:p>
@@ -3937,11 +3961,19 @@
           <a:p>
             <a:r>
               <a:rPr lang="en-US"/>
-              <a:t>February 7th</a:t>
+              <a:t>21</a:t>
+            </a:r>
+            <a:r>
+              <a:rPr lang="en-US" baseline="30000"/>
+              <a:t>st</a:t>
+            </a:r>
+            <a:r>
+              <a:rPr lang="en-US"/>
+              <a:t> of March, </a:t>
             </a:r>
             <a:r>
               <a:rPr lang="en-US" dirty="0"/>
-              <a:t>, 2023</a:t>
+              <a:t>2023</a:t>
             </a:r>
           </a:p>
         </p:txBody>

--- a/SMART on FHIR Primer.pptx
+++ b/SMART on FHIR Primer.pptx
@@ -178,6 +178,38 @@
     </pc:docChg>
   </pc:docChgLst>
   <pc:docChgLst>
+    <pc:chgData name="Heits, Brian" userId="4566fefd-61b7-4c5a-b683-1c8fdafc2832" providerId="ADAL" clId="{6861493C-8A7A-455C-BCE0-E455F0A71708}"/>
+    <pc:docChg chg="undo custSel modSld">
+      <pc:chgData name="Heits, Brian" userId="4566fefd-61b7-4c5a-b683-1c8fdafc2832" providerId="ADAL" clId="{6861493C-8A7A-455C-BCE0-E455F0A71708}" dt="2023-12-04T01:02:15.549" v="44" actId="20577"/>
+      <pc:docMkLst>
+        <pc:docMk/>
+      </pc:docMkLst>
+      <pc:sldChg chg="modSp mod">
+        <pc:chgData name="Heits, Brian" userId="4566fefd-61b7-4c5a-b683-1c8fdafc2832" providerId="ADAL" clId="{6861493C-8A7A-455C-BCE0-E455F0A71708}" dt="2023-12-04T01:02:15.549" v="44" actId="20577"/>
+        <pc:sldMkLst>
+          <pc:docMk/>
+          <pc:sldMk cId="579498076" sldId="317"/>
+        </pc:sldMkLst>
+        <pc:spChg chg="mod">
+          <ac:chgData name="Heits, Brian" userId="4566fefd-61b7-4c5a-b683-1c8fdafc2832" providerId="ADAL" clId="{6861493C-8A7A-455C-BCE0-E455F0A71708}" dt="2023-12-04T01:02:15.549" v="44" actId="20577"/>
+          <ac:spMkLst>
+            <pc:docMk/>
+            <pc:sldMk cId="579498076" sldId="317"/>
+            <ac:spMk id="3" creationId="{00000000-0000-0000-0000-000000000000}"/>
+          </ac:spMkLst>
+        </pc:spChg>
+        <pc:spChg chg="mod">
+          <ac:chgData name="Heits, Brian" userId="4566fefd-61b7-4c5a-b683-1c8fdafc2832" providerId="ADAL" clId="{6861493C-8A7A-455C-BCE0-E455F0A71708}" dt="2023-12-04T01:01:59.346" v="24" actId="20577"/>
+          <ac:spMkLst>
+            <pc:docMk/>
+            <pc:sldMk cId="579498076" sldId="317"/>
+            <ac:spMk id="4" creationId="{00000000-0000-0000-0000-000000000000}"/>
+          </ac:spMkLst>
+        </pc:spChg>
+      </pc:sldChg>
+    </pc:docChg>
+  </pc:docChgLst>
+  <pc:docChgLst>
     <pc:chgData name="Heits, Brian" userId="4566fefd-61b7-4c5a-b683-1c8fdafc2832" providerId="ADAL" clId="{F0E377DA-DFD7-4F13-941F-429FCB9CC344}"/>
     <pc:docChg chg="modSld">
       <pc:chgData name="Heits, Brian" userId="4566fefd-61b7-4c5a-b683-1c8fdafc2832" providerId="ADAL" clId="{F0E377DA-DFD7-4F13-941F-429FCB9CC344}" dt="2023-03-19T21:53:08.423" v="13" actId="20577"/>
@@ -295,7 +327,7 @@
           <a:p>
             <a:fld id="{4031681A-4B84-4DE8-A5EF-A885124D351C}" type="datetimeFigureOut">
               <a:rPr lang="en-US" smtClean="0"/>
-              <a:t>3/19/2023</a:t>
+              <a:t>12/3/2023</a:t>
             </a:fld>
             <a:endParaRPr lang="en-US"/>
           </a:p>
@@ -889,7 +921,7 @@
           <a:p>
             <a:fld id="{DEA2229F-D951-4A8F-BA2A-3B6A0B3F46E2}" type="datetimeFigureOut">
               <a:rPr lang="en-US" smtClean="0"/>
-              <a:t>3/19/2023</a:t>
+              <a:t>12/3/2023</a:t>
             </a:fld>
             <a:endParaRPr lang="en-US"/>
           </a:p>
@@ -1057,7 +1089,7 @@
           <a:p>
             <a:fld id="{DEA2229F-D951-4A8F-BA2A-3B6A0B3F46E2}" type="datetimeFigureOut">
               <a:rPr lang="en-US" smtClean="0"/>
-              <a:t>3/19/2023</a:t>
+              <a:t>12/3/2023</a:t>
             </a:fld>
             <a:endParaRPr lang="en-US"/>
           </a:p>
@@ -1235,7 +1267,7 @@
           <a:p>
             <a:fld id="{DEA2229F-D951-4A8F-BA2A-3B6A0B3F46E2}" type="datetimeFigureOut">
               <a:rPr lang="en-US" smtClean="0"/>
-              <a:t>3/19/2023</a:t>
+              <a:t>12/3/2023</a:t>
             </a:fld>
             <a:endParaRPr lang="en-US"/>
           </a:p>
@@ -1691,7 +1723,7 @@
           <a:p>
             <a:fld id="{DEA2229F-D951-4A8F-BA2A-3B6A0B3F46E2}" type="datetimeFigureOut">
               <a:rPr lang="en-US" smtClean="0"/>
-              <a:t>3/19/2023</a:t>
+              <a:t>12/3/2023</a:t>
             </a:fld>
             <a:endParaRPr lang="en-US"/>
           </a:p>
@@ -1936,7 +1968,7 @@
           <a:p>
             <a:fld id="{DEA2229F-D951-4A8F-BA2A-3B6A0B3F46E2}" type="datetimeFigureOut">
               <a:rPr lang="en-US" smtClean="0"/>
-              <a:t>3/19/2023</a:t>
+              <a:t>12/3/2023</a:t>
             </a:fld>
             <a:endParaRPr lang="en-US"/>
           </a:p>
@@ -2165,7 +2197,7 @@
           <a:p>
             <a:fld id="{DEA2229F-D951-4A8F-BA2A-3B6A0B3F46E2}" type="datetimeFigureOut">
               <a:rPr lang="en-US" smtClean="0"/>
-              <a:t>3/19/2023</a:t>
+              <a:t>12/3/2023</a:t>
             </a:fld>
             <a:endParaRPr lang="en-US"/>
           </a:p>
@@ -2529,7 +2561,7 @@
           <a:p>
             <a:fld id="{DEA2229F-D951-4A8F-BA2A-3B6A0B3F46E2}" type="datetimeFigureOut">
               <a:rPr lang="en-US" smtClean="0"/>
-              <a:t>3/19/2023</a:t>
+              <a:t>12/3/2023</a:t>
             </a:fld>
             <a:endParaRPr lang="en-US"/>
           </a:p>
@@ -2646,7 +2678,7 @@
           <a:p>
             <a:fld id="{DEA2229F-D951-4A8F-BA2A-3B6A0B3F46E2}" type="datetimeFigureOut">
               <a:rPr lang="en-US" smtClean="0"/>
-              <a:t>3/19/2023</a:t>
+              <a:t>12/3/2023</a:t>
             </a:fld>
             <a:endParaRPr lang="en-US"/>
           </a:p>
@@ -2741,7 +2773,7 @@
           <a:p>
             <a:fld id="{DEA2229F-D951-4A8F-BA2A-3B6A0B3F46E2}" type="datetimeFigureOut">
               <a:rPr lang="en-US" smtClean="0"/>
-              <a:t>3/19/2023</a:t>
+              <a:t>12/3/2023</a:t>
             </a:fld>
             <a:endParaRPr lang="en-US"/>
           </a:p>
@@ -3016,7 +3048,7 @@
           <a:p>
             <a:fld id="{DEA2229F-D951-4A8F-BA2A-3B6A0B3F46E2}" type="datetimeFigureOut">
               <a:rPr lang="en-US" smtClean="0"/>
-              <a:t>3/19/2023</a:t>
+              <a:t>12/3/2023</a:t>
             </a:fld>
             <a:endParaRPr lang="en-US"/>
           </a:p>
@@ -3268,7 +3300,7 @@
           <a:p>
             <a:fld id="{DEA2229F-D951-4A8F-BA2A-3B6A0B3F46E2}" type="datetimeFigureOut">
               <a:rPr lang="en-US" smtClean="0"/>
-              <a:t>3/19/2023</a:t>
+              <a:t>12/3/2023</a:t>
             </a:fld>
             <a:endParaRPr lang="en-US"/>
           </a:p>
@@ -3479,7 +3511,7 @@
           <a:p>
             <a:fld id="{DEA2229F-D951-4A8F-BA2A-3B6A0B3F46E2}" type="datetimeFigureOut">
               <a:rPr lang="en-US" smtClean="0"/>
-              <a:t>3/19/2023</a:t>
+              <a:t>12/3/2023</a:t>
             </a:fld>
             <a:endParaRPr lang="en-US"/>
           </a:p>
@@ -3934,7 +3966,7 @@
           <a:p>
             <a:r>
               <a:rPr lang="en-US" dirty="0"/>
-              <a:t>Associate Lead Software Engineer – Edge Professional Services</a:t>
+              <a:t>Principle Consultant</a:t>
             </a:r>
           </a:p>
         </p:txBody>
@@ -3960,20 +3992,16 @@
           <a:lstStyle/>
           <a:p>
             <a:r>
-              <a:rPr lang="en-US"/>
-              <a:t>21</a:t>
-            </a:r>
-            <a:r>
-              <a:rPr lang="en-US" baseline="30000"/>
-              <a:t>st</a:t>
-            </a:r>
-            <a:r>
-              <a:rPr lang="en-US"/>
-              <a:t> of March, </a:t>
-            </a:r>
-            <a:r>
               <a:rPr lang="en-US" dirty="0"/>
-              <a:t>2023</a:t>
+              <a:t>5</a:t>
+            </a:r>
+            <a:r>
+              <a:rPr lang="en-US" baseline="30000" dirty="0"/>
+              <a:t>th</a:t>
+            </a:r>
+            <a:r>
+              <a:rPr lang="en-US" dirty="0"/>
+              <a:t> of December, 2023</a:t>
             </a:r>
           </a:p>
         </p:txBody>

--- a/SMART on FHIR Primer.pptx
+++ b/SMART on FHIR Primer.pptx
@@ -180,12 +180,12 @@
   <pc:docChgLst>
     <pc:chgData name="Heits, Brian" userId="4566fefd-61b7-4c5a-b683-1c8fdafc2832" providerId="ADAL" clId="{6861493C-8A7A-455C-BCE0-E455F0A71708}"/>
     <pc:docChg chg="undo custSel modSld">
-      <pc:chgData name="Heits, Brian" userId="4566fefd-61b7-4c5a-b683-1c8fdafc2832" providerId="ADAL" clId="{6861493C-8A7A-455C-BCE0-E455F0A71708}" dt="2023-12-04T01:02:15.549" v="44" actId="20577"/>
+      <pc:chgData name="Heits, Brian" userId="4566fefd-61b7-4c5a-b683-1c8fdafc2832" providerId="ADAL" clId="{6861493C-8A7A-455C-BCE0-E455F0A71708}" dt="2023-12-11T03:23:49.972" v="51" actId="20577"/>
       <pc:docMkLst>
         <pc:docMk/>
       </pc:docMkLst>
       <pc:sldChg chg="modSp mod">
-        <pc:chgData name="Heits, Brian" userId="4566fefd-61b7-4c5a-b683-1c8fdafc2832" providerId="ADAL" clId="{6861493C-8A7A-455C-BCE0-E455F0A71708}" dt="2023-12-04T01:02:15.549" v="44" actId="20577"/>
+        <pc:chgData name="Heits, Brian" userId="4566fefd-61b7-4c5a-b683-1c8fdafc2832" providerId="ADAL" clId="{6861493C-8A7A-455C-BCE0-E455F0A71708}" dt="2023-12-11T03:23:49.972" v="51" actId="20577"/>
         <pc:sldMkLst>
           <pc:docMk/>
           <pc:sldMk cId="579498076" sldId="317"/>
@@ -199,7 +199,7 @@
           </ac:spMkLst>
         </pc:spChg>
         <pc:spChg chg="mod">
-          <ac:chgData name="Heits, Brian" userId="4566fefd-61b7-4c5a-b683-1c8fdafc2832" providerId="ADAL" clId="{6861493C-8A7A-455C-BCE0-E455F0A71708}" dt="2023-12-04T01:01:59.346" v="24" actId="20577"/>
+          <ac:chgData name="Heits, Brian" userId="4566fefd-61b7-4c5a-b683-1c8fdafc2832" providerId="ADAL" clId="{6861493C-8A7A-455C-BCE0-E455F0A71708}" dt="2023-12-11T03:23:49.972" v="51" actId="20577"/>
           <ac:spMkLst>
             <pc:docMk/>
             <pc:sldMk cId="579498076" sldId="317"/>
@@ -327,7 +327,7 @@
           <a:p>
             <a:fld id="{4031681A-4B84-4DE8-A5EF-A885124D351C}" type="datetimeFigureOut">
               <a:rPr lang="en-US" smtClean="0"/>
-              <a:t>12/3/2023</a:t>
+              <a:t>12/10/2023</a:t>
             </a:fld>
             <a:endParaRPr lang="en-US"/>
           </a:p>
@@ -921,7 +921,7 @@
           <a:p>
             <a:fld id="{DEA2229F-D951-4A8F-BA2A-3B6A0B3F46E2}" type="datetimeFigureOut">
               <a:rPr lang="en-US" smtClean="0"/>
-              <a:t>12/3/2023</a:t>
+              <a:t>12/10/2023</a:t>
             </a:fld>
             <a:endParaRPr lang="en-US"/>
           </a:p>
@@ -1089,7 +1089,7 @@
           <a:p>
             <a:fld id="{DEA2229F-D951-4A8F-BA2A-3B6A0B3F46E2}" type="datetimeFigureOut">
               <a:rPr lang="en-US" smtClean="0"/>
-              <a:t>12/3/2023</a:t>
+              <a:t>12/10/2023</a:t>
             </a:fld>
             <a:endParaRPr lang="en-US"/>
           </a:p>
@@ -1267,7 +1267,7 @@
           <a:p>
             <a:fld id="{DEA2229F-D951-4A8F-BA2A-3B6A0B3F46E2}" type="datetimeFigureOut">
               <a:rPr lang="en-US" smtClean="0"/>
-              <a:t>12/3/2023</a:t>
+              <a:t>12/10/2023</a:t>
             </a:fld>
             <a:endParaRPr lang="en-US"/>
           </a:p>
@@ -1723,7 +1723,7 @@
           <a:p>
             <a:fld id="{DEA2229F-D951-4A8F-BA2A-3B6A0B3F46E2}" type="datetimeFigureOut">
               <a:rPr lang="en-US" smtClean="0"/>
-              <a:t>12/3/2023</a:t>
+              <a:t>12/10/2023</a:t>
             </a:fld>
             <a:endParaRPr lang="en-US"/>
           </a:p>
@@ -1968,7 +1968,7 @@
           <a:p>
             <a:fld id="{DEA2229F-D951-4A8F-BA2A-3B6A0B3F46E2}" type="datetimeFigureOut">
               <a:rPr lang="en-US" smtClean="0"/>
-              <a:t>12/3/2023</a:t>
+              <a:t>12/10/2023</a:t>
             </a:fld>
             <a:endParaRPr lang="en-US"/>
           </a:p>
@@ -2197,7 +2197,7 @@
           <a:p>
             <a:fld id="{DEA2229F-D951-4A8F-BA2A-3B6A0B3F46E2}" type="datetimeFigureOut">
               <a:rPr lang="en-US" smtClean="0"/>
-              <a:t>12/3/2023</a:t>
+              <a:t>12/10/2023</a:t>
             </a:fld>
             <a:endParaRPr lang="en-US"/>
           </a:p>
@@ -2561,7 +2561,7 @@
           <a:p>
             <a:fld id="{DEA2229F-D951-4A8F-BA2A-3B6A0B3F46E2}" type="datetimeFigureOut">
               <a:rPr lang="en-US" smtClean="0"/>
-              <a:t>12/3/2023</a:t>
+              <a:t>12/10/2023</a:t>
             </a:fld>
             <a:endParaRPr lang="en-US"/>
           </a:p>
@@ -2678,7 +2678,7 @@
           <a:p>
             <a:fld id="{DEA2229F-D951-4A8F-BA2A-3B6A0B3F46E2}" type="datetimeFigureOut">
               <a:rPr lang="en-US" smtClean="0"/>
-              <a:t>12/3/2023</a:t>
+              <a:t>12/10/2023</a:t>
             </a:fld>
             <a:endParaRPr lang="en-US"/>
           </a:p>
@@ -2773,7 +2773,7 @@
           <a:p>
             <a:fld id="{DEA2229F-D951-4A8F-BA2A-3B6A0B3F46E2}" type="datetimeFigureOut">
               <a:rPr lang="en-US" smtClean="0"/>
-              <a:t>12/3/2023</a:t>
+              <a:t>12/10/2023</a:t>
             </a:fld>
             <a:endParaRPr lang="en-US"/>
           </a:p>
@@ -3048,7 +3048,7 @@
           <a:p>
             <a:fld id="{DEA2229F-D951-4A8F-BA2A-3B6A0B3F46E2}" type="datetimeFigureOut">
               <a:rPr lang="en-US" smtClean="0"/>
-              <a:t>12/3/2023</a:t>
+              <a:t>12/10/2023</a:t>
             </a:fld>
             <a:endParaRPr lang="en-US"/>
           </a:p>
@@ -3300,7 +3300,7 @@
           <a:p>
             <a:fld id="{DEA2229F-D951-4A8F-BA2A-3B6A0B3F46E2}" type="datetimeFigureOut">
               <a:rPr lang="en-US" smtClean="0"/>
-              <a:t>12/3/2023</a:t>
+              <a:t>12/10/2023</a:t>
             </a:fld>
             <a:endParaRPr lang="en-US"/>
           </a:p>
@@ -3511,7 +3511,7 @@
           <a:p>
             <a:fld id="{DEA2229F-D951-4A8F-BA2A-3B6A0B3F46E2}" type="datetimeFigureOut">
               <a:rPr lang="en-US" smtClean="0"/>
-              <a:t>12/3/2023</a:t>
+              <a:t>12/10/2023</a:t>
             </a:fld>
             <a:endParaRPr lang="en-US"/>
           </a:p>
@@ -3993,7 +3993,7 @@
           <a:p>
             <a:r>
               <a:rPr lang="en-US" dirty="0"/>
-              <a:t>5</a:t>
+              <a:t>12</a:t>
             </a:r>
             <a:r>
               <a:rPr lang="en-US" baseline="30000" dirty="0"/>

--- a/SMART on FHIR Primer.pptx
+++ b/SMART on FHIR Primer.pptx
@@ -154,30 +154,6 @@
 <file path=ppt/changesInfos/changesInfo1.xml><?xml version="1.0" encoding="utf-8"?>
 <pc:chgInfo xmlns:a="http://schemas.openxmlformats.org/drawingml/2006/main" xmlns:r="http://schemas.openxmlformats.org/officeDocument/2006/relationships" xmlns:ac="http://schemas.microsoft.com/office/drawing/2013/main/command" xmlns:pc="http://schemas.microsoft.com/office/powerpoint/2013/main/command">
   <pc:docChgLst>
-    <pc:chgData name="Heits, Brian" userId="4566fefd-61b7-4c5a-b683-1c8fdafc2832" providerId="ADAL" clId="{EBB2509E-9158-48F4-B08F-3B146EDA1E91}"/>
-    <pc:docChg chg="modSld">
-      <pc:chgData name="Heits, Brian" userId="4566fefd-61b7-4c5a-b683-1c8fdafc2832" providerId="ADAL" clId="{EBB2509E-9158-48F4-B08F-3B146EDA1E91}" dt="2023-02-05T18:42:03.183" v="23" actId="20577"/>
-      <pc:docMkLst>
-        <pc:docMk/>
-      </pc:docMkLst>
-      <pc:sldChg chg="modSp mod">
-        <pc:chgData name="Heits, Brian" userId="4566fefd-61b7-4c5a-b683-1c8fdafc2832" providerId="ADAL" clId="{EBB2509E-9158-48F4-B08F-3B146EDA1E91}" dt="2023-02-05T18:42:03.183" v="23" actId="20577"/>
-        <pc:sldMkLst>
-          <pc:docMk/>
-          <pc:sldMk cId="579498076" sldId="317"/>
-        </pc:sldMkLst>
-        <pc:spChg chg="mod">
-          <ac:chgData name="Heits, Brian" userId="4566fefd-61b7-4c5a-b683-1c8fdafc2832" providerId="ADAL" clId="{EBB2509E-9158-48F4-B08F-3B146EDA1E91}" dt="2023-02-05T18:42:03.183" v="23" actId="20577"/>
-          <ac:spMkLst>
-            <pc:docMk/>
-            <pc:sldMk cId="579498076" sldId="317"/>
-            <ac:spMk id="4" creationId="{00000000-0000-0000-0000-000000000000}"/>
-          </ac:spMkLst>
-        </pc:spChg>
-      </pc:sldChg>
-    </pc:docChg>
-  </pc:docChgLst>
-  <pc:docChgLst>
     <pc:chgData name="Heits, Brian" userId="4566fefd-61b7-4c5a-b683-1c8fdafc2832" providerId="ADAL" clId="{6861493C-8A7A-455C-BCE0-E455F0A71708}"/>
     <pc:docChg chg="undo custSel modSld">
       <pc:chgData name="Heits, Brian" userId="4566fefd-61b7-4c5a-b683-1c8fdafc2832" providerId="ADAL" clId="{6861493C-8A7A-455C-BCE0-E455F0A71708}" dt="2023-12-11T03:23:49.972" v="51" actId="20577"/>
@@ -233,6 +209,30 @@
       </pc:sldChg>
     </pc:docChg>
   </pc:docChgLst>
+  <pc:docChgLst>
+    <pc:chgData name="Heits, Brian" userId="4566fefd-61b7-4c5a-b683-1c8fdafc2832" providerId="ADAL" clId="{EBB2509E-9158-48F4-B08F-3B146EDA1E91}"/>
+    <pc:docChg chg="modSld">
+      <pc:chgData name="Heits, Brian" userId="4566fefd-61b7-4c5a-b683-1c8fdafc2832" providerId="ADAL" clId="{EBB2509E-9158-48F4-B08F-3B146EDA1E91}" dt="2023-02-05T18:42:03.183" v="23" actId="20577"/>
+      <pc:docMkLst>
+        <pc:docMk/>
+      </pc:docMkLst>
+      <pc:sldChg chg="modSp mod">
+        <pc:chgData name="Heits, Brian" userId="4566fefd-61b7-4c5a-b683-1c8fdafc2832" providerId="ADAL" clId="{EBB2509E-9158-48F4-B08F-3B146EDA1E91}" dt="2023-02-05T18:42:03.183" v="23" actId="20577"/>
+        <pc:sldMkLst>
+          <pc:docMk/>
+          <pc:sldMk cId="579498076" sldId="317"/>
+        </pc:sldMkLst>
+        <pc:spChg chg="mod">
+          <ac:chgData name="Heits, Brian" userId="4566fefd-61b7-4c5a-b683-1c8fdafc2832" providerId="ADAL" clId="{EBB2509E-9158-48F4-B08F-3B146EDA1E91}" dt="2023-02-05T18:42:03.183" v="23" actId="20577"/>
+          <ac:spMkLst>
+            <pc:docMk/>
+            <pc:sldMk cId="579498076" sldId="317"/>
+            <ac:spMk id="4" creationId="{00000000-0000-0000-0000-000000000000}"/>
+          </ac:spMkLst>
+        </pc:spChg>
+      </pc:sldChg>
+    </pc:docChg>
+  </pc:docChgLst>
 </pc:chgInfo>
 </file>
 
@@ -327,7 +327,7 @@
           <a:p>
             <a:fld id="{4031681A-4B84-4DE8-A5EF-A885124D351C}" type="datetimeFigureOut">
               <a:rPr lang="en-US" smtClean="0"/>
-              <a:t>12/10/2023</a:t>
+              <a:t>9/16/2024</a:t>
             </a:fld>
             <a:endParaRPr lang="en-US"/>
           </a:p>
@@ -921,7 +921,7 @@
           <a:p>
             <a:fld id="{DEA2229F-D951-4A8F-BA2A-3B6A0B3F46E2}" type="datetimeFigureOut">
               <a:rPr lang="en-US" smtClean="0"/>
-              <a:t>12/10/2023</a:t>
+              <a:t>9/16/2024</a:t>
             </a:fld>
             <a:endParaRPr lang="en-US"/>
           </a:p>
@@ -1089,7 +1089,7 @@
           <a:p>
             <a:fld id="{DEA2229F-D951-4A8F-BA2A-3B6A0B3F46E2}" type="datetimeFigureOut">
               <a:rPr lang="en-US" smtClean="0"/>
-              <a:t>12/10/2023</a:t>
+              <a:t>9/16/2024</a:t>
             </a:fld>
             <a:endParaRPr lang="en-US"/>
           </a:p>
@@ -1267,7 +1267,7 @@
           <a:p>
             <a:fld id="{DEA2229F-D951-4A8F-BA2A-3B6A0B3F46E2}" type="datetimeFigureOut">
               <a:rPr lang="en-US" smtClean="0"/>
-              <a:t>12/10/2023</a:t>
+              <a:t>9/16/2024</a:t>
             </a:fld>
             <a:endParaRPr lang="en-US"/>
           </a:p>
@@ -1723,7 +1723,7 @@
           <a:p>
             <a:fld id="{DEA2229F-D951-4A8F-BA2A-3B6A0B3F46E2}" type="datetimeFigureOut">
               <a:rPr lang="en-US" smtClean="0"/>
-              <a:t>12/10/2023</a:t>
+              <a:t>9/16/2024</a:t>
             </a:fld>
             <a:endParaRPr lang="en-US"/>
           </a:p>
@@ -1968,7 +1968,7 @@
           <a:p>
             <a:fld id="{DEA2229F-D951-4A8F-BA2A-3B6A0B3F46E2}" type="datetimeFigureOut">
               <a:rPr lang="en-US" smtClean="0"/>
-              <a:t>12/10/2023</a:t>
+              <a:t>9/16/2024</a:t>
             </a:fld>
             <a:endParaRPr lang="en-US"/>
           </a:p>
@@ -2197,7 +2197,7 @@
           <a:p>
             <a:fld id="{DEA2229F-D951-4A8F-BA2A-3B6A0B3F46E2}" type="datetimeFigureOut">
               <a:rPr lang="en-US" smtClean="0"/>
-              <a:t>12/10/2023</a:t>
+              <a:t>9/16/2024</a:t>
             </a:fld>
             <a:endParaRPr lang="en-US"/>
           </a:p>
@@ -2561,7 +2561,7 @@
           <a:p>
             <a:fld id="{DEA2229F-D951-4A8F-BA2A-3B6A0B3F46E2}" type="datetimeFigureOut">
               <a:rPr lang="en-US" smtClean="0"/>
-              <a:t>12/10/2023</a:t>
+              <a:t>9/16/2024</a:t>
             </a:fld>
             <a:endParaRPr lang="en-US"/>
           </a:p>
@@ -2678,7 +2678,7 @@
           <a:p>
             <a:fld id="{DEA2229F-D951-4A8F-BA2A-3B6A0B3F46E2}" type="datetimeFigureOut">
               <a:rPr lang="en-US" smtClean="0"/>
-              <a:t>12/10/2023</a:t>
+              <a:t>9/16/2024</a:t>
             </a:fld>
             <a:endParaRPr lang="en-US"/>
           </a:p>
@@ -2773,7 +2773,7 @@
           <a:p>
             <a:fld id="{DEA2229F-D951-4A8F-BA2A-3B6A0B3F46E2}" type="datetimeFigureOut">
               <a:rPr lang="en-US" smtClean="0"/>
-              <a:t>12/10/2023</a:t>
+              <a:t>9/16/2024</a:t>
             </a:fld>
             <a:endParaRPr lang="en-US"/>
           </a:p>
@@ -3048,7 +3048,7 @@
           <a:p>
             <a:fld id="{DEA2229F-D951-4A8F-BA2A-3B6A0B3F46E2}" type="datetimeFigureOut">
               <a:rPr lang="en-US" smtClean="0"/>
-              <a:t>12/10/2023</a:t>
+              <a:t>9/16/2024</a:t>
             </a:fld>
             <a:endParaRPr lang="en-US"/>
           </a:p>
@@ -3300,7 +3300,7 @@
           <a:p>
             <a:fld id="{DEA2229F-D951-4A8F-BA2A-3B6A0B3F46E2}" type="datetimeFigureOut">
               <a:rPr lang="en-US" smtClean="0"/>
-              <a:t>12/10/2023</a:t>
+              <a:t>9/16/2024</a:t>
             </a:fld>
             <a:endParaRPr lang="en-US"/>
           </a:p>
@@ -3511,7 +3511,7 @@
           <a:p>
             <a:fld id="{DEA2229F-D951-4A8F-BA2A-3B6A0B3F46E2}" type="datetimeFigureOut">
               <a:rPr lang="en-US" smtClean="0"/>
-              <a:t>12/10/2023</a:t>
+              <a:t>9/16/2024</a:t>
             </a:fld>
             <a:endParaRPr lang="en-US"/>
           </a:p>
@@ -3592,6 +3592,102 @@
               <a:t>‹#›</a:t>
             </a:fld>
             <a:endParaRPr lang="en-US"/>
+          </a:p>
+        </p:txBody>
+      </p:sp>
+      <p:sp>
+        <p:nvSpPr>
+          <p:cNvPr id="9" name="TextBox 8">
+            <a:extLst>
+              <a:ext uri="{FF2B5EF4-FFF2-40B4-BE49-F238E27FC236}">
+                <a16:creationId xmlns:a16="http://schemas.microsoft.com/office/drawing/2014/main" id="{179866F2-3484-D7B4-74B5-E219312C2B4C}"/>
+              </a:ext>
+            </a:extLst>
+          </p:cNvPr>
+          <p:cNvSpPr txBox="1"/>
+          <p:nvPr userDrawn="1">
+            <p:extLst>
+              <p:ext uri="{1162E1C5-73C7-4A58-AE30-91384D911F3F}">
+                <p184:classification xmlns:p184="http://schemas.microsoft.com/office/powerpoint/2018/4/main" val="hdr"/>
+              </p:ext>
+            </p:extLst>
+          </p:nvPr>
+        </p:nvSpPr>
+        <p:spPr>
+          <a:xfrm>
+            <a:off x="63500" y="63500"/>
+            <a:ext cx="1636713" cy="152400"/>
+          </a:xfrm>
+          <a:prstGeom prst="rect">
+            <a:avLst/>
+          </a:prstGeom>
+        </p:spPr>
+        <p:txBody>
+          <a:bodyPr horzOverflow="overflow" lIns="0" tIns="0" rIns="0" bIns="0">
+            <a:spAutoFit/>
+          </a:bodyPr>
+          <a:lstStyle/>
+          <a:p>
+            <a:pPr algn="l"/>
+            <a:r>
+              <a:rPr lang="en-US" sz="1000">
+                <a:solidFill>
+                  <a:srgbClr val="000000"/>
+                </a:solidFill>
+                <a:latin typeface="Calibri" panose="020F0502020204030204" pitchFamily="34" charset="0"/>
+                <a:ea typeface="Calibri" panose="020F0502020204030204" pitchFamily="34" charset="0"/>
+                <a:cs typeface="Calibri" panose="020F0502020204030204" pitchFamily="34" charset="0"/>
+              </a:rPr>
+              <a:t>Confidential - Oracle Restricted</a:t>
+            </a:r>
+          </a:p>
+        </p:txBody>
+      </p:sp>
+      <p:sp>
+        <p:nvSpPr>
+          <p:cNvPr id="10" name="TextBox 9">
+            <a:extLst>
+              <a:ext uri="{FF2B5EF4-FFF2-40B4-BE49-F238E27FC236}">
+                <a16:creationId xmlns:a16="http://schemas.microsoft.com/office/drawing/2014/main" id="{AA6CD701-4879-D998-A215-77D0DC5FD487}"/>
+              </a:ext>
+            </a:extLst>
+          </p:cNvPr>
+          <p:cNvSpPr txBox="1"/>
+          <p:nvPr userDrawn="1">
+            <p:extLst>
+              <p:ext uri="{1162E1C5-73C7-4A58-AE30-91384D911F3F}">
+                <p184:classification xmlns:p184="http://schemas.microsoft.com/office/powerpoint/2018/4/main" val="ftr"/>
+              </p:ext>
+            </p:extLst>
+          </p:nvPr>
+        </p:nvSpPr>
+        <p:spPr>
+          <a:xfrm>
+            <a:off x="63500" y="6642100"/>
+            <a:ext cx="1636713" cy="152400"/>
+          </a:xfrm>
+          <a:prstGeom prst="rect">
+            <a:avLst/>
+          </a:prstGeom>
+        </p:spPr>
+        <p:txBody>
+          <a:bodyPr horzOverflow="overflow" lIns="0" tIns="0" rIns="0" bIns="0">
+            <a:spAutoFit/>
+          </a:bodyPr>
+          <a:lstStyle/>
+          <a:p>
+            <a:pPr algn="l"/>
+            <a:r>
+              <a:rPr lang="en-US" sz="1000">
+                <a:solidFill>
+                  <a:srgbClr val="000000"/>
+                </a:solidFill>
+                <a:latin typeface="Calibri" panose="020F0502020204030204" pitchFamily="34" charset="0"/>
+                <a:ea typeface="Calibri" panose="020F0502020204030204" pitchFamily="34" charset="0"/>
+                <a:cs typeface="Calibri" panose="020F0502020204030204" pitchFamily="34" charset="0"/>
+              </a:rPr>
+              <a:t>Confidential - Oracle Restricted</a:t>
+            </a:r>
           </a:p>
         </p:txBody>
       </p:sp>
@@ -3993,7 +4089,7 @@
           <a:p>
             <a:r>
               <a:rPr lang="en-US" dirty="0"/>
-              <a:t>12</a:t>
+              <a:t>18</a:t>
             </a:r>
             <a:r>
               <a:rPr lang="en-US" baseline="30000" dirty="0"/>
@@ -4001,8 +4097,13 @@
             </a:r>
             <a:r>
               <a:rPr lang="en-US" dirty="0"/>
-              <a:t> of December, 2023</a:t>
-            </a:r>
+              <a:t> </a:t>
+            </a:r>
+            <a:r>
+              <a:rPr lang="en-US"/>
+              <a:t>of September, 2024</a:t>
+            </a:r>
+            <a:endParaRPr lang="en-US" dirty="0"/>
           </a:p>
         </p:txBody>
       </p:sp>

--- a/SMART on FHIR Primer.pptx
+++ b/SMART on FHIR Primer.pptx
@@ -327,7 +327,7 @@
           <a:p>
             <a:fld id="{4031681A-4B84-4DE8-A5EF-A885124D351C}" type="datetimeFigureOut">
               <a:rPr lang="en-US" smtClean="0"/>
-              <a:t>9/16/2024</a:t>
+              <a:t>12/2/2024</a:t>
             </a:fld>
             <a:endParaRPr lang="en-US"/>
           </a:p>
@@ -921,7 +921,7 @@
           <a:p>
             <a:fld id="{DEA2229F-D951-4A8F-BA2A-3B6A0B3F46E2}" type="datetimeFigureOut">
               <a:rPr lang="en-US" smtClean="0"/>
-              <a:t>9/16/2024</a:t>
+              <a:t>12/2/2024</a:t>
             </a:fld>
             <a:endParaRPr lang="en-US"/>
           </a:p>
@@ -1089,7 +1089,7 @@
           <a:p>
             <a:fld id="{DEA2229F-D951-4A8F-BA2A-3B6A0B3F46E2}" type="datetimeFigureOut">
               <a:rPr lang="en-US" smtClean="0"/>
-              <a:t>9/16/2024</a:t>
+              <a:t>12/2/2024</a:t>
             </a:fld>
             <a:endParaRPr lang="en-US"/>
           </a:p>
@@ -1267,7 +1267,7 @@
           <a:p>
             <a:fld id="{DEA2229F-D951-4A8F-BA2A-3B6A0B3F46E2}" type="datetimeFigureOut">
               <a:rPr lang="en-US" smtClean="0"/>
-              <a:t>9/16/2024</a:t>
+              <a:t>12/2/2024</a:t>
             </a:fld>
             <a:endParaRPr lang="en-US"/>
           </a:p>
@@ -1723,7 +1723,7 @@
           <a:p>
             <a:fld id="{DEA2229F-D951-4A8F-BA2A-3B6A0B3F46E2}" type="datetimeFigureOut">
               <a:rPr lang="en-US" smtClean="0"/>
-              <a:t>9/16/2024</a:t>
+              <a:t>12/2/2024</a:t>
             </a:fld>
             <a:endParaRPr lang="en-US"/>
           </a:p>
@@ -1968,7 +1968,7 @@
           <a:p>
             <a:fld id="{DEA2229F-D951-4A8F-BA2A-3B6A0B3F46E2}" type="datetimeFigureOut">
               <a:rPr lang="en-US" smtClean="0"/>
-              <a:t>9/16/2024</a:t>
+              <a:t>12/2/2024</a:t>
             </a:fld>
             <a:endParaRPr lang="en-US"/>
           </a:p>
@@ -2197,7 +2197,7 @@
           <a:p>
             <a:fld id="{DEA2229F-D951-4A8F-BA2A-3B6A0B3F46E2}" type="datetimeFigureOut">
               <a:rPr lang="en-US" smtClean="0"/>
-              <a:t>9/16/2024</a:t>
+              <a:t>12/2/2024</a:t>
             </a:fld>
             <a:endParaRPr lang="en-US"/>
           </a:p>
@@ -2561,7 +2561,7 @@
           <a:p>
             <a:fld id="{DEA2229F-D951-4A8F-BA2A-3B6A0B3F46E2}" type="datetimeFigureOut">
               <a:rPr lang="en-US" smtClean="0"/>
-              <a:t>9/16/2024</a:t>
+              <a:t>12/2/2024</a:t>
             </a:fld>
             <a:endParaRPr lang="en-US"/>
           </a:p>
@@ -2678,7 +2678,7 @@
           <a:p>
             <a:fld id="{DEA2229F-D951-4A8F-BA2A-3B6A0B3F46E2}" type="datetimeFigureOut">
               <a:rPr lang="en-US" smtClean="0"/>
-              <a:t>9/16/2024</a:t>
+              <a:t>12/2/2024</a:t>
             </a:fld>
             <a:endParaRPr lang="en-US"/>
           </a:p>
@@ -2773,7 +2773,7 @@
           <a:p>
             <a:fld id="{DEA2229F-D951-4A8F-BA2A-3B6A0B3F46E2}" type="datetimeFigureOut">
               <a:rPr lang="en-US" smtClean="0"/>
-              <a:t>9/16/2024</a:t>
+              <a:t>12/2/2024</a:t>
             </a:fld>
             <a:endParaRPr lang="en-US"/>
           </a:p>
@@ -3048,7 +3048,7 @@
           <a:p>
             <a:fld id="{DEA2229F-D951-4A8F-BA2A-3B6A0B3F46E2}" type="datetimeFigureOut">
               <a:rPr lang="en-US" smtClean="0"/>
-              <a:t>9/16/2024</a:t>
+              <a:t>12/2/2024</a:t>
             </a:fld>
             <a:endParaRPr lang="en-US"/>
           </a:p>
@@ -3300,7 +3300,7 @@
           <a:p>
             <a:fld id="{DEA2229F-D951-4A8F-BA2A-3B6A0B3F46E2}" type="datetimeFigureOut">
               <a:rPr lang="en-US" smtClean="0"/>
-              <a:t>9/16/2024</a:t>
+              <a:t>12/2/2024</a:t>
             </a:fld>
             <a:endParaRPr lang="en-US"/>
           </a:p>
@@ -3511,7 +3511,7 @@
           <a:p>
             <a:fld id="{DEA2229F-D951-4A8F-BA2A-3B6A0B3F46E2}" type="datetimeFigureOut">
               <a:rPr lang="en-US" smtClean="0"/>
-              <a:t>9/16/2024</a:t>
+              <a:t>12/2/2024</a:t>
             </a:fld>
             <a:endParaRPr lang="en-US"/>
           </a:p>
@@ -4089,7 +4089,7 @@
           <a:p>
             <a:r>
               <a:rPr lang="en-US" dirty="0"/>
-              <a:t>18</a:t>
+              <a:t>4</a:t>
             </a:r>
             <a:r>
               <a:rPr lang="en-US" baseline="30000" dirty="0"/>
@@ -4101,9 +4101,12 @@
             </a:r>
             <a:r>
               <a:rPr lang="en-US"/>
-              <a:t>of September, 2024</a:t>
-            </a:r>
-            <a:endParaRPr lang="en-US" dirty="0"/>
+              <a:t>of December, </a:t>
+            </a:r>
+            <a:r>
+              <a:rPr lang="en-US" dirty="0"/>
+              <a:t>2024</a:t>
+            </a:r>
           </a:p>
         </p:txBody>
       </p:sp>

--- a/SMART on FHIR Primer.pptx
+++ b/SMART on FHIR Primer.pptx
@@ -327,7 +327,7 @@
           <a:p>
             <a:fld id="{4031681A-4B84-4DE8-A5EF-A885124D351C}" type="datetimeFigureOut">
               <a:rPr lang="en-US" smtClean="0"/>
-              <a:t>12/2/2024</a:t>
+              <a:t>8/25/2025</a:t>
             </a:fld>
             <a:endParaRPr lang="en-US"/>
           </a:p>
@@ -921,7 +921,7 @@
           <a:p>
             <a:fld id="{DEA2229F-D951-4A8F-BA2A-3B6A0B3F46E2}" type="datetimeFigureOut">
               <a:rPr lang="en-US" smtClean="0"/>
-              <a:t>12/2/2024</a:t>
+              <a:t>8/25/2025</a:t>
             </a:fld>
             <a:endParaRPr lang="en-US"/>
           </a:p>
@@ -1089,7 +1089,7 @@
           <a:p>
             <a:fld id="{DEA2229F-D951-4A8F-BA2A-3B6A0B3F46E2}" type="datetimeFigureOut">
               <a:rPr lang="en-US" smtClean="0"/>
-              <a:t>12/2/2024</a:t>
+              <a:t>8/25/2025</a:t>
             </a:fld>
             <a:endParaRPr lang="en-US"/>
           </a:p>
@@ -1267,7 +1267,7 @@
           <a:p>
             <a:fld id="{DEA2229F-D951-4A8F-BA2A-3B6A0B3F46E2}" type="datetimeFigureOut">
               <a:rPr lang="en-US" smtClean="0"/>
-              <a:t>12/2/2024</a:t>
+              <a:t>8/25/2025</a:t>
             </a:fld>
             <a:endParaRPr lang="en-US"/>
           </a:p>
@@ -1723,7 +1723,7 @@
           <a:p>
             <a:fld id="{DEA2229F-D951-4A8F-BA2A-3B6A0B3F46E2}" type="datetimeFigureOut">
               <a:rPr lang="en-US" smtClean="0"/>
-              <a:t>12/2/2024</a:t>
+              <a:t>8/25/2025</a:t>
             </a:fld>
             <a:endParaRPr lang="en-US"/>
           </a:p>
@@ -1968,7 +1968,7 @@
           <a:p>
             <a:fld id="{DEA2229F-D951-4A8F-BA2A-3B6A0B3F46E2}" type="datetimeFigureOut">
               <a:rPr lang="en-US" smtClean="0"/>
-              <a:t>12/2/2024</a:t>
+              <a:t>8/25/2025</a:t>
             </a:fld>
             <a:endParaRPr lang="en-US"/>
           </a:p>
@@ -2197,7 +2197,7 @@
           <a:p>
             <a:fld id="{DEA2229F-D951-4A8F-BA2A-3B6A0B3F46E2}" type="datetimeFigureOut">
               <a:rPr lang="en-US" smtClean="0"/>
-              <a:t>12/2/2024</a:t>
+              <a:t>8/25/2025</a:t>
             </a:fld>
             <a:endParaRPr lang="en-US"/>
           </a:p>
@@ -2561,7 +2561,7 @@
           <a:p>
             <a:fld id="{DEA2229F-D951-4A8F-BA2A-3B6A0B3F46E2}" type="datetimeFigureOut">
               <a:rPr lang="en-US" smtClean="0"/>
-              <a:t>12/2/2024</a:t>
+              <a:t>8/25/2025</a:t>
             </a:fld>
             <a:endParaRPr lang="en-US"/>
           </a:p>
@@ -2678,7 +2678,7 @@
           <a:p>
             <a:fld id="{DEA2229F-D951-4A8F-BA2A-3B6A0B3F46E2}" type="datetimeFigureOut">
               <a:rPr lang="en-US" smtClean="0"/>
-              <a:t>12/2/2024</a:t>
+              <a:t>8/25/2025</a:t>
             </a:fld>
             <a:endParaRPr lang="en-US"/>
           </a:p>
@@ -2773,7 +2773,7 @@
           <a:p>
             <a:fld id="{DEA2229F-D951-4A8F-BA2A-3B6A0B3F46E2}" type="datetimeFigureOut">
               <a:rPr lang="en-US" smtClean="0"/>
-              <a:t>12/2/2024</a:t>
+              <a:t>8/25/2025</a:t>
             </a:fld>
             <a:endParaRPr lang="en-US"/>
           </a:p>
@@ -3048,7 +3048,7 @@
           <a:p>
             <a:fld id="{DEA2229F-D951-4A8F-BA2A-3B6A0B3F46E2}" type="datetimeFigureOut">
               <a:rPr lang="en-US" smtClean="0"/>
-              <a:t>12/2/2024</a:t>
+              <a:t>8/25/2025</a:t>
             </a:fld>
             <a:endParaRPr lang="en-US"/>
           </a:p>
@@ -3300,7 +3300,7 @@
           <a:p>
             <a:fld id="{DEA2229F-D951-4A8F-BA2A-3B6A0B3F46E2}" type="datetimeFigureOut">
               <a:rPr lang="en-US" smtClean="0"/>
-              <a:t>12/2/2024</a:t>
+              <a:t>8/25/2025</a:t>
             </a:fld>
             <a:endParaRPr lang="en-US"/>
           </a:p>
@@ -3511,7 +3511,7 @@
           <a:p>
             <a:fld id="{DEA2229F-D951-4A8F-BA2A-3B6A0B3F46E2}" type="datetimeFigureOut">
               <a:rPr lang="en-US" smtClean="0"/>
-              <a:t>12/2/2024</a:t>
+              <a:t>8/25/2025</a:t>
             </a:fld>
             <a:endParaRPr lang="en-US"/>
           </a:p>
@@ -4089,7 +4089,7 @@
           <a:p>
             <a:r>
               <a:rPr lang="en-US" dirty="0"/>
-              <a:t>4</a:t>
+              <a:t>27</a:t>
             </a:r>
             <a:r>
               <a:rPr lang="en-US" baseline="30000" dirty="0"/>
@@ -4097,15 +4097,7 @@
             </a:r>
             <a:r>
               <a:rPr lang="en-US" dirty="0"/>
-              <a:t> </a:t>
-            </a:r>
-            <a:r>
-              <a:rPr lang="en-US"/>
-              <a:t>of December, </a:t>
-            </a:r>
-            <a:r>
-              <a:rPr lang="en-US" dirty="0"/>
-              <a:t>2024</a:t>
+              <a:t> of August, 2025</a:t>
             </a:r>
           </a:p>
         </p:txBody>

--- a/SMART on FHIR Primer.pptx
+++ b/SMART on FHIR Primer.pptx
@@ -327,7 +327,7 @@
           <a:p>
             <a:fld id="{4031681A-4B84-4DE8-A5EF-A885124D351C}" type="datetimeFigureOut">
               <a:rPr lang="en-US" smtClean="0"/>
-              <a:t>8/25/2025</a:t>
+              <a:t>12/13/2025</a:t>
             </a:fld>
             <a:endParaRPr lang="en-US"/>
           </a:p>
@@ -921,7 +921,7 @@
           <a:p>
             <a:fld id="{DEA2229F-D951-4A8F-BA2A-3B6A0B3F46E2}" type="datetimeFigureOut">
               <a:rPr lang="en-US" smtClean="0"/>
-              <a:t>8/25/2025</a:t>
+              <a:t>12/13/2025</a:t>
             </a:fld>
             <a:endParaRPr lang="en-US"/>
           </a:p>
@@ -1089,7 +1089,7 @@
           <a:p>
             <a:fld id="{DEA2229F-D951-4A8F-BA2A-3B6A0B3F46E2}" type="datetimeFigureOut">
               <a:rPr lang="en-US" smtClean="0"/>
-              <a:t>8/25/2025</a:t>
+              <a:t>12/13/2025</a:t>
             </a:fld>
             <a:endParaRPr lang="en-US"/>
           </a:p>
@@ -1267,7 +1267,7 @@
           <a:p>
             <a:fld id="{DEA2229F-D951-4A8F-BA2A-3B6A0B3F46E2}" type="datetimeFigureOut">
               <a:rPr lang="en-US" smtClean="0"/>
-              <a:t>8/25/2025</a:t>
+              <a:t>12/13/2025</a:t>
             </a:fld>
             <a:endParaRPr lang="en-US"/>
           </a:p>
@@ -1723,7 +1723,7 @@
           <a:p>
             <a:fld id="{DEA2229F-D951-4A8F-BA2A-3B6A0B3F46E2}" type="datetimeFigureOut">
               <a:rPr lang="en-US" smtClean="0"/>
-              <a:t>8/25/2025</a:t>
+              <a:t>12/13/2025</a:t>
             </a:fld>
             <a:endParaRPr lang="en-US"/>
           </a:p>
@@ -1968,7 +1968,7 @@
           <a:p>
             <a:fld id="{DEA2229F-D951-4A8F-BA2A-3B6A0B3F46E2}" type="datetimeFigureOut">
               <a:rPr lang="en-US" smtClean="0"/>
-              <a:t>8/25/2025</a:t>
+              <a:t>12/13/2025</a:t>
             </a:fld>
             <a:endParaRPr lang="en-US"/>
           </a:p>
@@ -2197,7 +2197,7 @@
           <a:p>
             <a:fld id="{DEA2229F-D951-4A8F-BA2A-3B6A0B3F46E2}" type="datetimeFigureOut">
               <a:rPr lang="en-US" smtClean="0"/>
-              <a:t>8/25/2025</a:t>
+              <a:t>12/13/2025</a:t>
             </a:fld>
             <a:endParaRPr lang="en-US"/>
           </a:p>
@@ -2561,7 +2561,7 @@
           <a:p>
             <a:fld id="{DEA2229F-D951-4A8F-BA2A-3B6A0B3F46E2}" type="datetimeFigureOut">
               <a:rPr lang="en-US" smtClean="0"/>
-              <a:t>8/25/2025</a:t>
+              <a:t>12/13/2025</a:t>
             </a:fld>
             <a:endParaRPr lang="en-US"/>
           </a:p>
@@ -2678,7 +2678,7 @@
           <a:p>
             <a:fld id="{DEA2229F-D951-4A8F-BA2A-3B6A0B3F46E2}" type="datetimeFigureOut">
               <a:rPr lang="en-US" smtClean="0"/>
-              <a:t>8/25/2025</a:t>
+              <a:t>12/13/2025</a:t>
             </a:fld>
             <a:endParaRPr lang="en-US"/>
           </a:p>
@@ -2773,7 +2773,7 @@
           <a:p>
             <a:fld id="{DEA2229F-D951-4A8F-BA2A-3B6A0B3F46E2}" type="datetimeFigureOut">
               <a:rPr lang="en-US" smtClean="0"/>
-              <a:t>8/25/2025</a:t>
+              <a:t>12/13/2025</a:t>
             </a:fld>
             <a:endParaRPr lang="en-US"/>
           </a:p>
@@ -3048,7 +3048,7 @@
           <a:p>
             <a:fld id="{DEA2229F-D951-4A8F-BA2A-3B6A0B3F46E2}" type="datetimeFigureOut">
               <a:rPr lang="en-US" smtClean="0"/>
-              <a:t>8/25/2025</a:t>
+              <a:t>12/13/2025</a:t>
             </a:fld>
             <a:endParaRPr lang="en-US"/>
           </a:p>
@@ -3300,7 +3300,7 @@
           <a:p>
             <a:fld id="{DEA2229F-D951-4A8F-BA2A-3B6A0B3F46E2}" type="datetimeFigureOut">
               <a:rPr lang="en-US" smtClean="0"/>
-              <a:t>8/25/2025</a:t>
+              <a:t>12/13/2025</a:t>
             </a:fld>
             <a:endParaRPr lang="en-US"/>
           </a:p>
@@ -3511,7 +3511,7 @@
           <a:p>
             <a:fld id="{DEA2229F-D951-4A8F-BA2A-3B6A0B3F46E2}" type="datetimeFigureOut">
               <a:rPr lang="en-US" smtClean="0"/>
-              <a:t>8/25/2025</a:t>
+              <a:t>12/13/2025</a:t>
             </a:fld>
             <a:endParaRPr lang="en-US"/>
           </a:p>
@@ -4089,7 +4089,7 @@
           <a:p>
             <a:r>
               <a:rPr lang="en-US" dirty="0"/>
-              <a:t>27</a:t>
+              <a:t>16</a:t>
             </a:r>
             <a:r>
               <a:rPr lang="en-US" baseline="30000" dirty="0"/>
@@ -4097,7 +4097,7 @@
             </a:r>
             <a:r>
               <a:rPr lang="en-US" dirty="0"/>
-              <a:t> of August, 2025</a:t>
+              <a:t> of December, 2025</a:t>
             </a:r>
           </a:p>
         </p:txBody>
@@ -7486,6 +7486,7 @@
 
 <file path=docMetadata/LabelInfo.xml><?xml version="1.0" encoding="utf-8"?>
 <clbl:labelList xmlns:clbl="http://schemas.microsoft.com/office/2020/mipLabelMetadata">
+  <clbl:label id="{56665055-977f-4acd-9884-1bec8e5ad200}" enabled="1" method="Standard" siteId="{4e2c6054-71cb-48f1-bd6c-3a9705aca71b}" contentBits="3" removed="0"/>
   <clbl:label id="{b1851626-05c4-426e-b768-1c35733f6fea}" enabled="1" method="Standard" siteId="{fbc493a8-0d24-4454-a815-f4ca58e8c09d}" removed="0"/>
 </clbl:labelList>
 </file>
--- a/SMART on FHIR Primer.pptx
+++ b/SMART on FHIR Primer.pptx
@@ -327,7 +327,7 @@
           <a:p>
             <a:fld id="{4031681A-4B84-4DE8-A5EF-A885124D351C}" type="datetimeFigureOut">
               <a:rPr lang="en-US" smtClean="0"/>
-              <a:t>12/13/2025</a:t>
+              <a:t>1/19/2026</a:t>
             </a:fld>
             <a:endParaRPr lang="en-US"/>
           </a:p>
@@ -921,7 +921,7 @@
           <a:p>
             <a:fld id="{DEA2229F-D951-4A8F-BA2A-3B6A0B3F46E2}" type="datetimeFigureOut">
               <a:rPr lang="en-US" smtClean="0"/>
-              <a:t>12/13/2025</a:t>
+              <a:t>1/19/2026</a:t>
             </a:fld>
             <a:endParaRPr lang="en-US"/>
           </a:p>
@@ -1089,7 +1089,7 @@
           <a:p>
             <a:fld id="{DEA2229F-D951-4A8F-BA2A-3B6A0B3F46E2}" type="datetimeFigureOut">
               <a:rPr lang="en-US" smtClean="0"/>
-              <a:t>12/13/2025</a:t>
+              <a:t>1/19/2026</a:t>
             </a:fld>
             <a:endParaRPr lang="en-US"/>
           </a:p>
@@ -1267,7 +1267,7 @@
           <a:p>
             <a:fld id="{DEA2229F-D951-4A8F-BA2A-3B6A0B3F46E2}" type="datetimeFigureOut">
               <a:rPr lang="en-US" smtClean="0"/>
-              <a:t>12/13/2025</a:t>
+              <a:t>1/19/2026</a:t>
             </a:fld>
             <a:endParaRPr lang="en-US"/>
           </a:p>
@@ -1723,7 +1723,7 @@
           <a:p>
             <a:fld id="{DEA2229F-D951-4A8F-BA2A-3B6A0B3F46E2}" type="datetimeFigureOut">
               <a:rPr lang="en-US" smtClean="0"/>
-              <a:t>12/13/2025</a:t>
+              <a:t>1/19/2026</a:t>
             </a:fld>
             <a:endParaRPr lang="en-US"/>
           </a:p>
@@ -1968,7 +1968,7 @@
           <a:p>
             <a:fld id="{DEA2229F-D951-4A8F-BA2A-3B6A0B3F46E2}" type="datetimeFigureOut">
               <a:rPr lang="en-US" smtClean="0"/>
-              <a:t>12/13/2025</a:t>
+              <a:t>1/19/2026</a:t>
             </a:fld>
             <a:endParaRPr lang="en-US"/>
           </a:p>
@@ -2197,7 +2197,7 @@
           <a:p>
             <a:fld id="{DEA2229F-D951-4A8F-BA2A-3B6A0B3F46E2}" type="datetimeFigureOut">
               <a:rPr lang="en-US" smtClean="0"/>
-              <a:t>12/13/2025</a:t>
+              <a:t>1/19/2026</a:t>
             </a:fld>
             <a:endParaRPr lang="en-US"/>
           </a:p>
@@ -2561,7 +2561,7 @@
           <a:p>
             <a:fld id="{DEA2229F-D951-4A8F-BA2A-3B6A0B3F46E2}" type="datetimeFigureOut">
               <a:rPr lang="en-US" smtClean="0"/>
-              <a:t>12/13/2025</a:t>
+              <a:t>1/19/2026</a:t>
             </a:fld>
             <a:endParaRPr lang="en-US"/>
           </a:p>
@@ -2678,7 +2678,7 @@
           <a:p>
             <a:fld id="{DEA2229F-D951-4A8F-BA2A-3B6A0B3F46E2}" type="datetimeFigureOut">
               <a:rPr lang="en-US" smtClean="0"/>
-              <a:t>12/13/2025</a:t>
+              <a:t>1/19/2026</a:t>
             </a:fld>
             <a:endParaRPr lang="en-US"/>
           </a:p>
@@ -2773,7 +2773,7 @@
           <a:p>
             <a:fld id="{DEA2229F-D951-4A8F-BA2A-3B6A0B3F46E2}" type="datetimeFigureOut">
               <a:rPr lang="en-US" smtClean="0"/>
-              <a:t>12/13/2025</a:t>
+              <a:t>1/19/2026</a:t>
             </a:fld>
             <a:endParaRPr lang="en-US"/>
           </a:p>
@@ -3048,7 +3048,7 @@
           <a:p>
             <a:fld id="{DEA2229F-D951-4A8F-BA2A-3B6A0B3F46E2}" type="datetimeFigureOut">
               <a:rPr lang="en-US" smtClean="0"/>
-              <a:t>12/13/2025</a:t>
+              <a:t>1/19/2026</a:t>
             </a:fld>
             <a:endParaRPr lang="en-US"/>
           </a:p>
@@ -3300,7 +3300,7 @@
           <a:p>
             <a:fld id="{DEA2229F-D951-4A8F-BA2A-3B6A0B3F46E2}" type="datetimeFigureOut">
               <a:rPr lang="en-US" smtClean="0"/>
-              <a:t>12/13/2025</a:t>
+              <a:t>1/19/2026</a:t>
             </a:fld>
             <a:endParaRPr lang="en-US"/>
           </a:p>
@@ -3511,7 +3511,7 @@
           <a:p>
             <a:fld id="{DEA2229F-D951-4A8F-BA2A-3B6A0B3F46E2}" type="datetimeFigureOut">
               <a:rPr lang="en-US" smtClean="0"/>
-              <a:t>12/13/2025</a:t>
+              <a:t>1/19/2026</a:t>
             </a:fld>
             <a:endParaRPr lang="en-US"/>
           </a:p>
@@ -4088,16 +4088,20 @@
           <a:lstStyle/>
           <a:p>
             <a:r>
+              <a:rPr lang="en-US"/>
+              <a:t>21</a:t>
+            </a:r>
+            <a:r>
+              <a:rPr lang="en-US" baseline="30000"/>
+              <a:t>th</a:t>
+            </a:r>
+            <a:r>
+              <a:rPr lang="en-US"/>
+              <a:t> </a:t>
+            </a:r>
+            <a:r>
               <a:rPr lang="en-US" dirty="0"/>
-              <a:t>16</a:t>
-            </a:r>
-            <a:r>
-              <a:rPr lang="en-US" baseline="30000" dirty="0"/>
-              <a:t>th</a:t>
-            </a:r>
-            <a:r>
-              <a:rPr lang="en-US" dirty="0"/>
-              <a:t> of December, 2025</a:t>
+              <a:t>of January 2026</a:t>
             </a:r>
           </a:p>
         </p:txBody>
